--- a/1-html-css/04. CSS3 레이아웃 및 스타일 속성(2).pptx
+++ b/1-html-css/04. CSS3 레이아웃 및 스타일 속성(2).pptx
@@ -5,13 +5,27 @@
     <p:sldMasterId id="2147483648" r:id="rId1"/>
   </p:sldMasterIdLst>
   <p:notesMasterIdLst>
-    <p:notesMasterId r:id="rId6"/>
+    <p:notesMasterId r:id="rId20"/>
   </p:notesMasterIdLst>
   <p:sldIdLst>
     <p:sldId id="256" r:id="rId2"/>
     <p:sldId id="300" r:id="rId3"/>
-    <p:sldId id="298" r:id="rId4"/>
-    <p:sldId id="303" r:id="rId5"/>
+    <p:sldId id="306" r:id="rId4"/>
+    <p:sldId id="317" r:id="rId5"/>
+    <p:sldId id="316" r:id="rId6"/>
+    <p:sldId id="304" r:id="rId7"/>
+    <p:sldId id="305" r:id="rId8"/>
+    <p:sldId id="319" r:id="rId9"/>
+    <p:sldId id="320" r:id="rId10"/>
+    <p:sldId id="321" r:id="rId11"/>
+    <p:sldId id="318" r:id="rId12"/>
+    <p:sldId id="309" r:id="rId13"/>
+    <p:sldId id="310" r:id="rId14"/>
+    <p:sldId id="312" r:id="rId15"/>
+    <p:sldId id="313" r:id="rId16"/>
+    <p:sldId id="314" r:id="rId17"/>
+    <p:sldId id="315" r:id="rId18"/>
+    <p:sldId id="303" r:id="rId19"/>
   </p:sldIdLst>
   <p:sldSz cx="9144000" cy="6858000" type="screen4x3"/>
   <p:notesSz cx="6858000" cy="9144000"/>
@@ -477,6 +491,90 @@
     </a:lvl9pPr>
   </p:notesStyle>
 </p:notesMaster>
+</file>
+
+<file path=ppt/notesSlides/notesSlide1.xml><?xml version="1.0" encoding="utf-8"?>
+<p:notes xmlns:a="http://schemas.openxmlformats.org/drawingml/2006/main" xmlns:r="http://schemas.openxmlformats.org/officeDocument/2006/relationships" xmlns:p="http://schemas.openxmlformats.org/presentationml/2006/main">
+  <p:cSld>
+    <p:spTree>
+      <p:nvGrpSpPr>
+        <p:cNvPr id="1" name=""/>
+        <p:cNvGrpSpPr/>
+        <p:nvPr/>
+      </p:nvGrpSpPr>
+      <p:grpSpPr>
+        <a:xfrm>
+          <a:off x="0" y="0"/>
+          <a:ext cx="0" cy="0"/>
+          <a:chOff x="0" y="0"/>
+          <a:chExt cx="0" cy="0"/>
+        </a:xfrm>
+      </p:grpSpPr>
+      <p:sp>
+        <p:nvSpPr>
+          <p:cNvPr id="2" name="슬라이드 이미지 개체 틀 1"/>
+          <p:cNvSpPr>
+            <a:spLocks noGrp="1" noRot="1" noChangeAspect="1"/>
+          </p:cNvSpPr>
+          <p:nvPr>
+            <p:ph type="sldImg"/>
+          </p:nvPr>
+        </p:nvSpPr>
+        <p:spPr/>
+      </p:sp>
+      <p:sp>
+        <p:nvSpPr>
+          <p:cNvPr id="3" name="슬라이드 노트 개체 틀 2"/>
+          <p:cNvSpPr>
+            <a:spLocks noGrp="1"/>
+          </p:cNvSpPr>
+          <p:nvPr>
+            <p:ph type="body" idx="1"/>
+          </p:nvPr>
+        </p:nvSpPr>
+        <p:spPr/>
+        <p:txBody>
+          <a:bodyPr/>
+          <a:lstStyle/>
+          <a:p>
+            <a:endParaRPr lang="ko-KR" altLang="en-US" dirty="0"/>
+          </a:p>
+        </p:txBody>
+      </p:sp>
+      <p:sp>
+        <p:nvSpPr>
+          <p:cNvPr id="4" name="슬라이드 번호 개체 틀 3"/>
+          <p:cNvSpPr>
+            <a:spLocks noGrp="1"/>
+          </p:cNvSpPr>
+          <p:nvPr>
+            <p:ph type="sldNum" sz="quarter" idx="10"/>
+          </p:nvPr>
+        </p:nvSpPr>
+        <p:spPr/>
+        <p:txBody>
+          <a:bodyPr/>
+          <a:lstStyle/>
+          <a:p>
+            <a:fld id="{E68C3F18-6C78-4F60-8870-FAED4AB3B4B6}" type="slidenum">
+              <a:rPr lang="ko-KR" altLang="en-US" smtClean="0"/>
+              <a:t>11</a:t>
+            </a:fld>
+            <a:endParaRPr lang="ko-KR" altLang="en-US"/>
+          </a:p>
+        </p:txBody>
+      </p:sp>
+    </p:spTree>
+    <p:extLst>
+      <p:ext uri="{BB962C8B-B14F-4D97-AF65-F5344CB8AC3E}">
+        <p14:creationId xmlns:p14="http://schemas.microsoft.com/office/powerpoint/2010/main" val="364335853"/>
+      </p:ext>
+    </p:extLst>
+  </p:cSld>
+  <p:clrMapOvr>
+    <a:masterClrMapping/>
+  </p:clrMapOvr>
+</p:notes>
 </file>
 
 <file path=ppt/slideLayouts/slideLayout1.xml><?xml version="1.0" encoding="utf-8"?>
@@ -3495,6 +3593,1940 @@
 </p:sld>
 </file>
 
+<file path=ppt/slides/slide10.xml><?xml version="1.0" encoding="utf-8"?>
+<p:sld xmlns:a="http://schemas.openxmlformats.org/drawingml/2006/main" xmlns:r="http://schemas.openxmlformats.org/officeDocument/2006/relationships" xmlns:p="http://schemas.openxmlformats.org/presentationml/2006/main">
+  <p:cSld>
+    <p:spTree>
+      <p:nvGrpSpPr>
+        <p:cNvPr id="1" name=""/>
+        <p:cNvGrpSpPr/>
+        <p:nvPr/>
+      </p:nvGrpSpPr>
+      <p:grpSpPr>
+        <a:xfrm>
+          <a:off x="0" y="0"/>
+          <a:ext cx="0" cy="0"/>
+          <a:chOff x="0" y="0"/>
+          <a:chExt cx="0" cy="0"/>
+        </a:xfrm>
+      </p:grpSpPr>
+      <p:sp>
+        <p:nvSpPr>
+          <p:cNvPr id="2" name="제목 1"/>
+          <p:cNvSpPr>
+            <a:spLocks noGrp="1"/>
+          </p:cNvSpPr>
+          <p:nvPr>
+            <p:ph type="title"/>
+          </p:nvPr>
+        </p:nvSpPr>
+        <p:spPr/>
+        <p:txBody>
+          <a:bodyPr/>
+          <a:lstStyle/>
+          <a:p>
+            <a:r>
+              <a:rPr lang="en-US" altLang="ko-KR" dirty="0" smtClean="0"/>
+              <a:t>4.</a:t>
+            </a:r>
+            <a:r>
+              <a:rPr lang="en-US" altLang="ko-KR" dirty="0" smtClean="0"/>
+              <a:t> </a:t>
+            </a:r>
+            <a:r>
+              <a:rPr lang="ko-KR" altLang="en-US" dirty="0" smtClean="0"/>
+              <a:t>폰트 속성</a:t>
+            </a:r>
+            <a:endParaRPr lang="ko-KR" altLang="en-US" dirty="0"/>
+          </a:p>
+        </p:txBody>
+      </p:sp>
+      <p:sp>
+        <p:nvSpPr>
+          <p:cNvPr id="28" name="내용 개체 틀 2"/>
+          <p:cNvSpPr>
+            <a:spLocks noGrp="1"/>
+          </p:cNvSpPr>
+          <p:nvPr>
+            <p:ph idx="1"/>
+          </p:nvPr>
+        </p:nvSpPr>
+        <p:spPr>
+          <a:xfrm>
+            <a:off x="457200" y="1600200"/>
+            <a:ext cx="8229600" cy="4525963"/>
+          </a:xfrm>
+        </p:spPr>
+        <p:txBody>
+          <a:bodyPr>
+            <a:normAutofit/>
+          </a:bodyPr>
+          <a:lstStyle/>
+          <a:p>
+            <a:r>
+              <a:rPr lang="en-US" altLang="ko-KR" dirty="0" smtClean="0"/>
+              <a:t>text-align </a:t>
+            </a:r>
+            <a:r>
+              <a:rPr lang="ko-KR" altLang="en-US" dirty="0" smtClean="0"/>
+              <a:t>속성</a:t>
+            </a:r>
+            <a:endParaRPr lang="en-US" altLang="ko-KR" dirty="0" smtClean="0"/>
+          </a:p>
+          <a:p>
+            <a:pPr lvl="1"/>
+            <a:r>
+              <a:rPr lang="ko-KR" altLang="en-US" dirty="0" smtClean="0"/>
+              <a:t>글자의 정렬</a:t>
+            </a:r>
+            <a:endParaRPr lang="en-US" altLang="ko-KR" dirty="0" smtClean="0"/>
+          </a:p>
+          <a:p>
+            <a:pPr lvl="1"/>
+            <a:r>
+              <a:rPr lang="ko-KR" altLang="en-US" dirty="0" smtClean="0"/>
+              <a:t>예제 </a:t>
+            </a:r>
+            <a:r>
+              <a:rPr lang="en-US" altLang="ko-KR" dirty="0" smtClean="0"/>
+              <a:t>4-</a:t>
+            </a:r>
+            <a:r>
+              <a:rPr lang="en-US" altLang="ko-KR" dirty="0" err="1" smtClean="0"/>
+              <a:t>12.html</a:t>
+            </a:r>
+            <a:r>
+              <a:rPr lang="en-US" altLang="ko-KR" dirty="0"/>
+              <a:t>: </a:t>
+            </a:r>
+            <a:r>
+              <a:rPr lang="en-US" altLang="ko-KR" dirty="0" smtClean="0"/>
+              <a:t>inline vs block</a:t>
+            </a:r>
+          </a:p>
+          <a:p>
+            <a:pPr marL="457200" lvl="1" indent="0">
+              <a:buNone/>
+            </a:pPr>
+            <a:endParaRPr lang="en-US" altLang="ko-KR" dirty="0" smtClean="0"/>
+          </a:p>
+          <a:p>
+            <a:r>
+              <a:rPr lang="en-US" altLang="ko-KR" dirty="0" smtClean="0"/>
+              <a:t>text-decoration </a:t>
+            </a:r>
+            <a:r>
+              <a:rPr lang="ko-KR" altLang="en-US" dirty="0" smtClean="0"/>
+              <a:t>속성</a:t>
+            </a:r>
+            <a:endParaRPr lang="en-US" altLang="ko-KR" dirty="0" smtClean="0"/>
+          </a:p>
+          <a:p>
+            <a:pPr lvl="1"/>
+            <a:r>
+              <a:rPr lang="en-US" altLang="ko-KR" dirty="0" smtClean="0"/>
+              <a:t>text-</a:t>
+            </a:r>
+            <a:r>
+              <a:rPr lang="en-US" altLang="ko-KR" dirty="0" err="1" smtClean="0"/>
+              <a:t>decoration:none</a:t>
+            </a:r>
+            <a:endParaRPr lang="en-US" altLang="ko-KR" dirty="0" smtClean="0"/>
+          </a:p>
+          <a:p>
+            <a:pPr lvl="1"/>
+            <a:r>
+              <a:rPr lang="ko-KR" altLang="en-US" dirty="0" smtClean="0"/>
+              <a:t>예제 </a:t>
+            </a:r>
+            <a:r>
+              <a:rPr lang="en-US" altLang="ko-KR" dirty="0" smtClean="0"/>
+              <a:t>4-</a:t>
+            </a:r>
+            <a:r>
+              <a:rPr lang="en-US" altLang="ko-KR" dirty="0" err="1" smtClean="0"/>
+              <a:t>13.html</a:t>
+            </a:r>
+            <a:endParaRPr lang="en-US" altLang="ko-KR" dirty="0" smtClean="0"/>
+          </a:p>
+        </p:txBody>
+      </p:sp>
+    </p:spTree>
+    <p:extLst>
+      <p:ext uri="{BB962C8B-B14F-4D97-AF65-F5344CB8AC3E}">
+        <p14:creationId xmlns:p14="http://schemas.microsoft.com/office/powerpoint/2010/main" val="2481954865"/>
+      </p:ext>
+    </p:extLst>
+  </p:cSld>
+  <p:clrMapOvr>
+    <a:masterClrMapping/>
+  </p:clrMapOvr>
+</p:sld>
+</file>
+
+<file path=ppt/slides/slide11.xml><?xml version="1.0" encoding="utf-8"?>
+<p:sld xmlns:a="http://schemas.openxmlformats.org/drawingml/2006/main" xmlns:r="http://schemas.openxmlformats.org/officeDocument/2006/relationships" xmlns:p="http://schemas.openxmlformats.org/presentationml/2006/main">
+  <p:cSld>
+    <p:spTree>
+      <p:nvGrpSpPr>
+        <p:cNvPr id="1" name=""/>
+        <p:cNvGrpSpPr/>
+        <p:nvPr/>
+      </p:nvGrpSpPr>
+      <p:grpSpPr>
+        <a:xfrm>
+          <a:off x="0" y="0"/>
+          <a:ext cx="0" cy="0"/>
+          <a:chOff x="0" y="0"/>
+          <a:chExt cx="0" cy="0"/>
+        </a:xfrm>
+      </p:grpSpPr>
+      <p:sp>
+        <p:nvSpPr>
+          <p:cNvPr id="2" name="제목 1"/>
+          <p:cNvSpPr>
+            <a:spLocks noGrp="1"/>
+          </p:cNvSpPr>
+          <p:nvPr>
+            <p:ph type="title"/>
+          </p:nvPr>
+        </p:nvSpPr>
+        <p:spPr/>
+        <p:txBody>
+          <a:bodyPr/>
+          <a:lstStyle/>
+          <a:p>
+            <a:r>
+              <a:rPr lang="ko-KR" altLang="en-US" dirty="0" smtClean="0"/>
+              <a:t>레시피 프로젝트 </a:t>
+            </a:r>
+            <a:r>
+              <a:rPr lang="en-US" altLang="ko-KR" dirty="0" smtClean="0"/>
+              <a:t>– </a:t>
+            </a:r>
+            <a:r>
+              <a:rPr lang="ko-KR" altLang="en-US" dirty="0" smtClean="0"/>
+              <a:t>모듈</a:t>
+            </a:r>
+            <a:r>
+              <a:rPr lang="en-US" altLang="ko-KR" dirty="0"/>
+              <a:t>7</a:t>
+            </a:r>
+            <a:endParaRPr lang="ko-KR" altLang="en-US" dirty="0"/>
+          </a:p>
+        </p:txBody>
+      </p:sp>
+      <p:sp>
+        <p:nvSpPr>
+          <p:cNvPr id="3" name="내용 개체 틀 2"/>
+          <p:cNvSpPr>
+            <a:spLocks noGrp="1"/>
+          </p:cNvSpPr>
+          <p:nvPr>
+            <p:ph idx="1"/>
+          </p:nvPr>
+        </p:nvSpPr>
+        <p:spPr>
+          <a:xfrm>
+            <a:off x="457200" y="1600200"/>
+            <a:ext cx="4114800" cy="4525963"/>
+          </a:xfrm>
+        </p:spPr>
+        <p:txBody>
+          <a:bodyPr>
+            <a:normAutofit/>
+          </a:bodyPr>
+          <a:lstStyle/>
+          <a:p>
+            <a:r>
+              <a:rPr lang="ko-KR" altLang="en-US" sz="2000" dirty="0" smtClean="0"/>
+              <a:t>위치 속성</a:t>
+            </a:r>
+            <a:r>
+              <a:rPr lang="en-US" altLang="ko-KR" sz="2000" dirty="0" smtClean="0"/>
+              <a:t>, float </a:t>
+            </a:r>
+            <a:r>
+              <a:rPr lang="ko-KR" altLang="en-US" sz="2000" dirty="0" smtClean="0"/>
+              <a:t>속성을 활용하여 페이지 레이아웃 및 요소를 정렬한다</a:t>
+            </a:r>
+            <a:r>
+              <a:rPr lang="en-US" altLang="ko-KR" sz="2000" dirty="0" smtClean="0"/>
+              <a:t>.</a:t>
+            </a:r>
+          </a:p>
+          <a:p>
+            <a:endParaRPr lang="en-US" altLang="ko-KR" sz="2000" dirty="0" smtClean="0"/>
+          </a:p>
+          <a:p>
+            <a:endParaRPr lang="en-US" altLang="ko-KR" sz="2000" dirty="0"/>
+          </a:p>
+          <a:p>
+            <a:endParaRPr lang="en-US" altLang="ko-KR" sz="2000" dirty="0" smtClean="0"/>
+          </a:p>
+          <a:p>
+            <a:endParaRPr lang="en-US" altLang="ko-KR" sz="2000" dirty="0"/>
+          </a:p>
+          <a:p>
+            <a:endParaRPr lang="en-US" altLang="ko-KR" sz="2000" dirty="0" smtClean="0"/>
+          </a:p>
+          <a:p>
+            <a:endParaRPr lang="en-US" altLang="ko-KR" sz="2000" dirty="0" smtClean="0"/>
+          </a:p>
+          <a:p>
+            <a:r>
+              <a:rPr lang="ko-KR" altLang="en-US" sz="2000" dirty="0" err="1" smtClean="0"/>
+              <a:t>가시속성</a:t>
+            </a:r>
+            <a:r>
+              <a:rPr lang="en-US" altLang="ko-KR" sz="2000" dirty="0"/>
+              <a:t>, </a:t>
+            </a:r>
+            <a:r>
+              <a:rPr lang="ko-KR" altLang="en-US" sz="2000" dirty="0"/>
+              <a:t>폰트 속성을 </a:t>
+            </a:r>
+            <a:r>
+              <a:rPr lang="ko-KR" altLang="en-US" sz="2000" dirty="0" smtClean="0"/>
+              <a:t>활용하여</a:t>
+            </a:r>
+            <a:r>
+              <a:rPr lang="en-US" altLang="ko-KR" sz="2000" dirty="0" smtClean="0"/>
+              <a:t> </a:t>
+            </a:r>
+            <a:r>
+              <a:rPr lang="ko-KR" altLang="en-US" sz="2000" dirty="0" smtClean="0"/>
+              <a:t>메뉴 목록을 가로로 배치하고</a:t>
+            </a:r>
+            <a:r>
+              <a:rPr lang="en-US" altLang="ko-KR" sz="2000" dirty="0" smtClean="0"/>
+              <a:t>, </a:t>
+            </a:r>
+            <a:r>
+              <a:rPr lang="ko-KR" altLang="en-US" sz="2000" dirty="0" smtClean="0"/>
+              <a:t>재료 목록 테이블의 열을 정렬한다</a:t>
+            </a:r>
+            <a:r>
+              <a:rPr lang="en-US" altLang="ko-KR" sz="2000" dirty="0" smtClean="0"/>
+              <a:t>.</a:t>
+            </a:r>
+          </a:p>
+          <a:p>
+            <a:endParaRPr lang="en-US" altLang="ko-KR" sz="2000" dirty="0"/>
+          </a:p>
+          <a:p>
+            <a:endParaRPr lang="en-US" altLang="ko-KR" sz="2000" dirty="0" smtClean="0"/>
+          </a:p>
+        </p:txBody>
+      </p:sp>
+      <p:pic>
+        <p:nvPicPr>
+          <p:cNvPr id="4" name="그림 3"/>
+          <p:cNvPicPr>
+            <a:picLocks noChangeAspect="1"/>
+          </p:cNvPicPr>
+          <p:nvPr/>
+        </p:nvPicPr>
+        <p:blipFill>
+          <a:blip r:embed="rId3"/>
+          <a:stretch>
+            <a:fillRect/>
+          </a:stretch>
+        </p:blipFill>
+        <p:spPr>
+          <a:xfrm>
+            <a:off x="5292080" y="1222064"/>
+            <a:ext cx="3240360" cy="5439805"/>
+          </a:xfrm>
+          <a:prstGeom prst="rect">
+            <a:avLst/>
+          </a:prstGeom>
+        </p:spPr>
+      </p:pic>
+      <p:graphicFrame>
+        <p:nvGraphicFramePr>
+          <p:cNvPr id="5" name="표 4"/>
+          <p:cNvGraphicFramePr>
+            <a:graphicFrameLocks noGrp="1"/>
+          </p:cNvGraphicFramePr>
+          <p:nvPr>
+            <p:extLst>
+              <p:ext uri="{D42A27DB-BD31-4B8C-83A1-F6EECF244321}">
+                <p14:modId xmlns:p14="http://schemas.microsoft.com/office/powerpoint/2010/main" val="929468376"/>
+              </p:ext>
+            </p:extLst>
+          </p:nvPr>
+        </p:nvGraphicFramePr>
+        <p:xfrm>
+          <a:off x="906784" y="2708920"/>
+          <a:ext cx="3900664" cy="1911565"/>
+        </p:xfrm>
+        <a:graphic>
+          <a:graphicData uri="http://schemas.openxmlformats.org/drawingml/2006/table">
+            <a:tbl>
+              <a:tblPr firstRow="1" bandRow="1">
+                <a:tableStyleId>{5C22544A-7EE6-4342-B048-85BDC9FD1C3A}</a:tableStyleId>
+              </a:tblPr>
+              <a:tblGrid>
+                <a:gridCol w="2662838">
+                  <a:extLst>
+                    <a:ext uri="{9D8B030D-6E8A-4147-A177-3AD203B41FA5}">
+                      <a16:colId xmlns:a16="http://schemas.microsoft.com/office/drawing/2014/main" val="20000"/>
+                    </a:ext>
+                  </a:extLst>
+                </a:gridCol>
+                <a:gridCol w="1237826">
+                  <a:extLst>
+                    <a:ext uri="{9D8B030D-6E8A-4147-A177-3AD203B41FA5}">
+                      <a16:colId xmlns:a16="http://schemas.microsoft.com/office/drawing/2014/main" val="20001"/>
+                    </a:ext>
+                  </a:extLst>
+                </a:gridCol>
+              </a:tblGrid>
+              <a:tr h="289439">
+                <a:tc gridSpan="2">
+                  <a:txBody>
+                    <a:bodyPr/>
+                    <a:lstStyle/>
+                    <a:p>
+                      <a:pPr algn="ctr" latinLnBrk="1"/>
+                      <a:r>
+                        <a:rPr lang="en-US" altLang="ko-KR" sz="1400" dirty="0" smtClean="0"/>
+                        <a:t>Header</a:t>
+                      </a:r>
+                      <a:endParaRPr lang="ko-KR" altLang="en-US" sz="1400" dirty="0"/>
+                    </a:p>
+                  </a:txBody>
+                  <a:tcPr marL="72360" marR="72360" marT="36180" marB="36180"/>
+                </a:tc>
+                <a:tc hMerge="1">
+                  <a:txBody>
+                    <a:bodyPr/>
+                    <a:lstStyle/>
+                    <a:p>
+                      <a:pPr latinLnBrk="1"/>
+                      <a:endParaRPr lang="ko-KR" altLang="en-US" dirty="0"/>
+                    </a:p>
+                  </a:txBody>
+                  <a:tcPr/>
+                </a:tc>
+                <a:extLst>
+                  <a:ext uri="{0D108BD9-81ED-4DB2-BD59-A6C34878D82A}">
+                    <a16:rowId xmlns:a16="http://schemas.microsoft.com/office/drawing/2014/main" val="10000"/>
+                  </a:ext>
+                </a:extLst>
+              </a:tr>
+              <a:tr h="289439">
+                <a:tc gridSpan="2">
+                  <a:txBody>
+                    <a:bodyPr/>
+                    <a:lstStyle/>
+                    <a:p>
+                      <a:pPr algn="ctr" latinLnBrk="1"/>
+                      <a:r>
+                        <a:rPr lang="en-US" altLang="ko-KR" sz="1400" dirty="0" smtClean="0"/>
+                        <a:t>Navigation</a:t>
+                      </a:r>
+                      <a:endParaRPr lang="ko-KR" altLang="en-US" sz="1400" dirty="0"/>
+                    </a:p>
+                  </a:txBody>
+                  <a:tcPr marL="72360" marR="72360" marT="36180" marB="36180"/>
+                </a:tc>
+                <a:tc hMerge="1">
+                  <a:txBody>
+                    <a:bodyPr/>
+                    <a:lstStyle/>
+                    <a:p>
+                      <a:pPr latinLnBrk="1"/>
+                      <a:endParaRPr lang="ko-KR" altLang="en-US" dirty="0"/>
+                    </a:p>
+                  </a:txBody>
+                  <a:tcPr/>
+                </a:tc>
+                <a:extLst>
+                  <a:ext uri="{0D108BD9-81ED-4DB2-BD59-A6C34878D82A}">
+                    <a16:rowId xmlns:a16="http://schemas.microsoft.com/office/drawing/2014/main" val="10001"/>
+                  </a:ext>
+                </a:extLst>
+              </a:tr>
+              <a:tr h="990174">
+                <a:tc>
+                  <a:txBody>
+                    <a:bodyPr/>
+                    <a:lstStyle/>
+                    <a:p>
+                      <a:pPr algn="ctr" latinLnBrk="1"/>
+                      <a:r>
+                        <a:rPr lang="en-US" altLang="ko-KR" sz="1400" dirty="0" smtClean="0"/>
+                        <a:t>Article</a:t>
+                      </a:r>
+                      <a:endParaRPr lang="ko-KR" altLang="en-US" sz="1400" dirty="0"/>
+                    </a:p>
+                  </a:txBody>
+                  <a:tcPr marL="72360" marR="72360" marT="36180" marB="36180"/>
+                </a:tc>
+                <a:tc>
+                  <a:txBody>
+                    <a:bodyPr/>
+                    <a:lstStyle/>
+                    <a:p>
+                      <a:pPr algn="ctr" latinLnBrk="1"/>
+                      <a:r>
+                        <a:rPr lang="en-US" altLang="ko-KR" sz="1400" dirty="0" smtClean="0"/>
+                        <a:t>Aside</a:t>
+                      </a:r>
+                      <a:endParaRPr lang="ko-KR" altLang="en-US" sz="1400" dirty="0"/>
+                    </a:p>
+                  </a:txBody>
+                  <a:tcPr marL="72360" marR="72360" marT="36180" marB="36180"/>
+                </a:tc>
+                <a:extLst>
+                  <a:ext uri="{0D108BD9-81ED-4DB2-BD59-A6C34878D82A}">
+                    <a16:rowId xmlns:a16="http://schemas.microsoft.com/office/drawing/2014/main" val="10002"/>
+                  </a:ext>
+                </a:extLst>
+              </a:tr>
+              <a:tr h="342513">
+                <a:tc gridSpan="2">
+                  <a:txBody>
+                    <a:bodyPr/>
+                    <a:lstStyle/>
+                    <a:p>
+                      <a:pPr algn="ctr" latinLnBrk="1"/>
+                      <a:r>
+                        <a:rPr lang="en-US" altLang="ko-KR" sz="1400" dirty="0" smtClean="0"/>
+                        <a:t>Footer</a:t>
+                      </a:r>
+                      <a:endParaRPr lang="ko-KR" altLang="en-US" sz="1400" dirty="0"/>
+                    </a:p>
+                  </a:txBody>
+                  <a:tcPr marL="72360" marR="72360" marT="36180" marB="36180"/>
+                </a:tc>
+                <a:tc hMerge="1">
+                  <a:txBody>
+                    <a:bodyPr/>
+                    <a:lstStyle/>
+                    <a:p>
+                      <a:pPr latinLnBrk="1"/>
+                      <a:endParaRPr lang="ko-KR" altLang="en-US" dirty="0"/>
+                    </a:p>
+                  </a:txBody>
+                  <a:tcPr/>
+                </a:tc>
+                <a:extLst>
+                  <a:ext uri="{0D108BD9-81ED-4DB2-BD59-A6C34878D82A}">
+                    <a16:rowId xmlns:a16="http://schemas.microsoft.com/office/drawing/2014/main" val="10003"/>
+                  </a:ext>
+                </a:extLst>
+              </a:tr>
+            </a:tbl>
+          </a:graphicData>
+        </a:graphic>
+      </p:graphicFrame>
+    </p:spTree>
+    <p:extLst>
+      <p:ext uri="{BB962C8B-B14F-4D97-AF65-F5344CB8AC3E}">
+        <p14:creationId xmlns:p14="http://schemas.microsoft.com/office/powerpoint/2010/main" val="2326598452"/>
+      </p:ext>
+    </p:extLst>
+  </p:cSld>
+  <p:clrMapOvr>
+    <a:masterClrMapping/>
+  </p:clrMapOvr>
+  <p:timing>
+    <p:tnLst>
+      <p:par>
+        <p:cTn id="1" dur="indefinite" restart="never" nodeType="tmRoot"/>
+      </p:par>
+    </p:tnLst>
+  </p:timing>
+</p:sld>
+</file>
+
+<file path=ppt/slides/slide12.xml><?xml version="1.0" encoding="utf-8"?>
+<p:sld xmlns:a="http://schemas.openxmlformats.org/drawingml/2006/main" xmlns:r="http://schemas.openxmlformats.org/officeDocument/2006/relationships" xmlns:p="http://schemas.openxmlformats.org/presentationml/2006/main">
+  <p:cSld>
+    <p:spTree>
+      <p:nvGrpSpPr>
+        <p:cNvPr id="1" name=""/>
+        <p:cNvGrpSpPr/>
+        <p:nvPr/>
+      </p:nvGrpSpPr>
+      <p:grpSpPr>
+        <a:xfrm>
+          <a:off x="0" y="0"/>
+          <a:ext cx="0" cy="0"/>
+          <a:chOff x="0" y="0"/>
+          <a:chExt cx="0" cy="0"/>
+        </a:xfrm>
+      </p:grpSpPr>
+      <p:sp>
+        <p:nvSpPr>
+          <p:cNvPr id="2" name="제목 1"/>
+          <p:cNvSpPr>
+            <a:spLocks noGrp="1"/>
+          </p:cNvSpPr>
+          <p:nvPr>
+            <p:ph type="title"/>
+          </p:nvPr>
+        </p:nvSpPr>
+        <p:spPr/>
+        <p:txBody>
+          <a:bodyPr/>
+          <a:lstStyle/>
+          <a:p>
+            <a:r>
+              <a:rPr lang="en-US" altLang="ko-KR" dirty="0" smtClean="0"/>
+              <a:t>4.6 </a:t>
+            </a:r>
+            <a:r>
+              <a:rPr lang="ko-KR" altLang="en-US" dirty="0" smtClean="0"/>
+              <a:t>폰트 속성</a:t>
+            </a:r>
+            <a:endParaRPr lang="ko-KR" altLang="en-US" dirty="0"/>
+          </a:p>
+        </p:txBody>
+      </p:sp>
+      <p:sp>
+        <p:nvSpPr>
+          <p:cNvPr id="28" name="내용 개체 틀 2"/>
+          <p:cNvSpPr>
+            <a:spLocks noGrp="1"/>
+          </p:cNvSpPr>
+          <p:nvPr>
+            <p:ph idx="1"/>
+          </p:nvPr>
+        </p:nvSpPr>
+        <p:spPr>
+          <a:xfrm>
+            <a:off x="457200" y="1600200"/>
+            <a:ext cx="8229600" cy="4525963"/>
+          </a:xfrm>
+        </p:spPr>
+        <p:txBody>
+          <a:bodyPr>
+            <a:normAutofit fontScale="92500" lnSpcReduction="10000"/>
+          </a:bodyPr>
+          <a:lstStyle/>
+          <a:p>
+            <a:r>
+              <a:rPr lang="en-US" altLang="ko-KR" dirty="0" smtClean="0"/>
+              <a:t>font-size </a:t>
+            </a:r>
+            <a:r>
+              <a:rPr lang="ko-KR" altLang="en-US" dirty="0" smtClean="0"/>
+              <a:t>속성</a:t>
+            </a:r>
+            <a:endParaRPr lang="en-US" altLang="ko-KR" dirty="0" smtClean="0"/>
+          </a:p>
+          <a:p>
+            <a:pPr lvl="1"/>
+            <a:r>
+              <a:rPr lang="ko-KR" altLang="en-US" dirty="0" smtClean="0"/>
+              <a:t>예제 </a:t>
+            </a:r>
+            <a:r>
+              <a:rPr lang="en-US" altLang="ko-KR" dirty="0" smtClean="0"/>
+              <a:t>4-44.html</a:t>
+            </a:r>
+          </a:p>
+          <a:p>
+            <a:pPr lvl="1"/>
+            <a:r>
+              <a:rPr lang="en-US" altLang="ko-KR" dirty="0" smtClean="0"/>
+              <a:t>h1</a:t>
+            </a:r>
+            <a:r>
+              <a:rPr lang="ko-KR" altLang="en-US" dirty="0" smtClean="0"/>
+              <a:t>의 기본크기 </a:t>
+            </a:r>
+            <a:r>
+              <a:rPr lang="en-US" altLang="ko-KR" dirty="0" smtClean="0"/>
+              <a:t>32</a:t>
+            </a:r>
+            <a:r>
+              <a:rPr lang="ko-KR" altLang="en-US" dirty="0" smtClean="0"/>
+              <a:t>픽셀</a:t>
+            </a:r>
+            <a:r>
+              <a:rPr lang="en-US" altLang="ko-KR" dirty="0" smtClean="0"/>
+              <a:t>, p</a:t>
+            </a:r>
+            <a:r>
+              <a:rPr lang="ko-KR" altLang="en-US" dirty="0" smtClean="0"/>
+              <a:t>의 기본크기 </a:t>
+            </a:r>
+            <a:r>
+              <a:rPr lang="en-US" altLang="ko-KR" dirty="0" smtClean="0"/>
+              <a:t>16</a:t>
+            </a:r>
+            <a:r>
+              <a:rPr lang="ko-KR" altLang="en-US" dirty="0" smtClean="0"/>
+              <a:t>픽셀</a:t>
+            </a:r>
+            <a:endParaRPr lang="en-US" altLang="ko-KR" dirty="0" smtClean="0"/>
+          </a:p>
+          <a:p>
+            <a:pPr lvl="1"/>
+            <a:endParaRPr lang="en-US" altLang="ko-KR" dirty="0" smtClean="0"/>
+          </a:p>
+          <a:p>
+            <a:r>
+              <a:rPr lang="en-US" altLang="ko-KR" dirty="0" smtClean="0"/>
+              <a:t>font-</a:t>
+            </a:r>
+            <a:r>
+              <a:rPr lang="en-US" altLang="ko-KR" dirty="0" err="1" smtClean="0"/>
+              <a:t>familiy</a:t>
+            </a:r>
+            <a:r>
+              <a:rPr lang="en-US" altLang="ko-KR" dirty="0" smtClean="0"/>
+              <a:t> </a:t>
+            </a:r>
+            <a:r>
+              <a:rPr lang="ko-KR" altLang="en-US" dirty="0" smtClean="0"/>
+              <a:t>속성</a:t>
+            </a:r>
+            <a:endParaRPr lang="en-US" altLang="ko-KR" dirty="0" smtClean="0"/>
+          </a:p>
+          <a:p>
+            <a:pPr lvl="1"/>
+            <a:r>
+              <a:rPr lang="ko-KR" altLang="en-US" dirty="0" smtClean="0"/>
+              <a:t>두 단어 이상인 경우 따옴표로 표현</a:t>
+            </a:r>
+            <a:endParaRPr lang="en-US" altLang="ko-KR" dirty="0" smtClean="0"/>
+          </a:p>
+          <a:p>
+            <a:pPr lvl="1"/>
+            <a:r>
+              <a:rPr lang="ko-KR" altLang="en-US" dirty="0" smtClean="0"/>
+              <a:t>예제 </a:t>
+            </a:r>
+            <a:r>
+              <a:rPr lang="en-US" altLang="ko-KR" dirty="0" smtClean="0"/>
+              <a:t>4-45.html</a:t>
+            </a:r>
+          </a:p>
+          <a:p>
+            <a:pPr lvl="1"/>
+            <a:r>
+              <a:rPr lang="ko-KR" altLang="en-US" dirty="0" smtClean="0"/>
+              <a:t>예제 </a:t>
+            </a:r>
+            <a:r>
+              <a:rPr lang="en-US" altLang="ko-KR" dirty="0" smtClean="0"/>
+              <a:t>4-46.html: </a:t>
+            </a:r>
+            <a:r>
+              <a:rPr lang="ko-KR" altLang="en-US" dirty="0" smtClean="0"/>
+              <a:t>폰트가 없는 경우 차례대로</a:t>
+            </a:r>
+            <a:endParaRPr lang="en-US" altLang="ko-KR" dirty="0" smtClean="0"/>
+          </a:p>
+          <a:p>
+            <a:pPr lvl="1"/>
+            <a:r>
+              <a:rPr lang="en-US" altLang="ko-KR" dirty="0" smtClean="0"/>
+              <a:t>generic-family </a:t>
+            </a:r>
+            <a:r>
+              <a:rPr lang="ko-KR" altLang="en-US" dirty="0" smtClean="0"/>
+              <a:t>폰트</a:t>
+            </a:r>
+            <a:r>
+              <a:rPr lang="en-US" altLang="ko-KR" dirty="0" smtClean="0"/>
+              <a:t>: </a:t>
+            </a:r>
+            <a:r>
+              <a:rPr lang="ko-KR" altLang="en-US" dirty="0" smtClean="0"/>
+              <a:t>브라우저에서 지정하는 폰트</a:t>
+            </a:r>
+            <a:endParaRPr lang="en-US" altLang="ko-KR" dirty="0" smtClean="0"/>
+          </a:p>
+          <a:p>
+            <a:pPr lvl="1"/>
+            <a:r>
+              <a:rPr lang="en-US" altLang="ko-KR" dirty="0" smtClean="0"/>
+              <a:t>serif-</a:t>
+            </a:r>
+            <a:r>
+              <a:rPr lang="ko-KR" altLang="en-US" dirty="0" smtClean="0"/>
+              <a:t>명조체</a:t>
+            </a:r>
+            <a:r>
+              <a:rPr lang="en-US" altLang="ko-KR" dirty="0" smtClean="0"/>
+              <a:t>, sans-serif-</a:t>
+            </a:r>
+            <a:r>
+              <a:rPr lang="ko-KR" altLang="en-US" dirty="0" smtClean="0"/>
+              <a:t>고딕체</a:t>
+            </a:r>
+            <a:endParaRPr lang="en-US" altLang="ko-KR" dirty="0" smtClean="0"/>
+          </a:p>
+          <a:p>
+            <a:pPr lvl="1"/>
+            <a:endParaRPr lang="en-US" altLang="ko-KR" dirty="0" smtClean="0"/>
+          </a:p>
+          <a:p>
+            <a:pPr lvl="1">
+              <a:buNone/>
+            </a:pPr>
+            <a:endParaRPr lang="en-US" altLang="ko-KR" dirty="0" smtClean="0"/>
+          </a:p>
+        </p:txBody>
+      </p:sp>
+    </p:spTree>
+    <p:extLst>
+      <p:ext uri="{BB962C8B-B14F-4D97-AF65-F5344CB8AC3E}">
+        <p14:creationId xmlns:p14="http://schemas.microsoft.com/office/powerpoint/2010/main" val="2979224246"/>
+      </p:ext>
+    </p:extLst>
+  </p:cSld>
+  <p:clrMapOvr>
+    <a:masterClrMapping/>
+  </p:clrMapOvr>
+</p:sld>
+</file>
+
+<file path=ppt/slides/slide13.xml><?xml version="1.0" encoding="utf-8"?>
+<p:sld xmlns:a="http://schemas.openxmlformats.org/drawingml/2006/main" xmlns:r="http://schemas.openxmlformats.org/officeDocument/2006/relationships" xmlns:p="http://schemas.openxmlformats.org/presentationml/2006/main">
+  <p:cSld>
+    <p:spTree>
+      <p:nvGrpSpPr>
+        <p:cNvPr id="1" name=""/>
+        <p:cNvGrpSpPr/>
+        <p:nvPr/>
+      </p:nvGrpSpPr>
+      <p:grpSpPr>
+        <a:xfrm>
+          <a:off x="0" y="0"/>
+          <a:ext cx="0" cy="0"/>
+          <a:chOff x="0" y="0"/>
+          <a:chExt cx="0" cy="0"/>
+        </a:xfrm>
+      </p:grpSpPr>
+      <p:sp>
+        <p:nvSpPr>
+          <p:cNvPr id="2" name="제목 1"/>
+          <p:cNvSpPr>
+            <a:spLocks noGrp="1"/>
+          </p:cNvSpPr>
+          <p:nvPr>
+            <p:ph type="title"/>
+          </p:nvPr>
+        </p:nvSpPr>
+        <p:spPr/>
+        <p:txBody>
+          <a:bodyPr/>
+          <a:lstStyle/>
+          <a:p>
+            <a:r>
+              <a:rPr lang="en-US" altLang="ko-KR" dirty="0" smtClean="0"/>
+              <a:t>4.6 </a:t>
+            </a:r>
+            <a:r>
+              <a:rPr lang="ko-KR" altLang="en-US" dirty="0" smtClean="0"/>
+              <a:t>폰트 속성</a:t>
+            </a:r>
+            <a:endParaRPr lang="ko-KR" altLang="en-US" dirty="0"/>
+          </a:p>
+        </p:txBody>
+      </p:sp>
+      <p:sp>
+        <p:nvSpPr>
+          <p:cNvPr id="28" name="내용 개체 틀 2"/>
+          <p:cNvSpPr>
+            <a:spLocks noGrp="1"/>
+          </p:cNvSpPr>
+          <p:nvPr>
+            <p:ph idx="1"/>
+          </p:nvPr>
+        </p:nvSpPr>
+        <p:spPr>
+          <a:xfrm>
+            <a:off x="457200" y="1600200"/>
+            <a:ext cx="8229600" cy="4525963"/>
+          </a:xfrm>
+        </p:spPr>
+        <p:txBody>
+          <a:bodyPr>
+            <a:normAutofit fontScale="85000" lnSpcReduction="20000"/>
+          </a:bodyPr>
+          <a:lstStyle/>
+          <a:p>
+            <a:r>
+              <a:rPr lang="en-US" altLang="ko-KR" dirty="0" smtClean="0"/>
+              <a:t>font-style, font-weight </a:t>
+            </a:r>
+            <a:r>
+              <a:rPr lang="ko-KR" altLang="en-US" dirty="0" smtClean="0"/>
+              <a:t>속성</a:t>
+            </a:r>
+            <a:endParaRPr lang="en-US" altLang="ko-KR" dirty="0" smtClean="0"/>
+          </a:p>
+          <a:p>
+            <a:pPr lvl="1"/>
+            <a:r>
+              <a:rPr lang="ko-KR" altLang="en-US" dirty="0" smtClean="0"/>
+              <a:t>기울기 및 굵기</a:t>
+            </a:r>
+            <a:endParaRPr lang="en-US" altLang="ko-KR" dirty="0" smtClean="0"/>
+          </a:p>
+          <a:p>
+            <a:pPr lvl="1"/>
+            <a:r>
+              <a:rPr lang="ko-KR" altLang="en-US" dirty="0" smtClean="0"/>
+              <a:t>예제 </a:t>
+            </a:r>
+            <a:r>
+              <a:rPr lang="en-US" altLang="ko-KR" dirty="0" smtClean="0"/>
+              <a:t>4-48.html</a:t>
+            </a:r>
+          </a:p>
+          <a:p>
+            <a:pPr lvl="1">
+              <a:buNone/>
+            </a:pPr>
+            <a:endParaRPr lang="en-US" altLang="ko-KR" dirty="0" smtClean="0"/>
+          </a:p>
+          <a:p>
+            <a:r>
+              <a:rPr lang="en-US" altLang="ko-KR" dirty="0" smtClean="0"/>
+              <a:t>line-height </a:t>
+            </a:r>
+            <a:r>
+              <a:rPr lang="ko-KR" altLang="en-US" dirty="0" smtClean="0"/>
+              <a:t>속성</a:t>
+            </a:r>
+            <a:endParaRPr lang="en-US" altLang="ko-KR" dirty="0" smtClean="0"/>
+          </a:p>
+          <a:p>
+            <a:pPr lvl="1"/>
+            <a:r>
+              <a:rPr lang="ko-KR" altLang="en-US" dirty="0" smtClean="0"/>
+              <a:t>글자의 높이를 설정</a:t>
+            </a:r>
+            <a:endParaRPr lang="en-US" altLang="ko-KR" dirty="0" smtClean="0"/>
+          </a:p>
+          <a:p>
+            <a:pPr lvl="1"/>
+            <a:r>
+              <a:rPr lang="ko-KR" altLang="en-US" dirty="0" smtClean="0"/>
+              <a:t>글자를 수직 중앙 정렬할 때 사용</a:t>
+            </a:r>
+            <a:endParaRPr lang="en-US" altLang="ko-KR" dirty="0" smtClean="0"/>
+          </a:p>
+          <a:p>
+            <a:pPr lvl="1"/>
+            <a:r>
+              <a:rPr lang="ko-KR" altLang="en-US" dirty="0" smtClean="0"/>
+              <a:t>예제 </a:t>
+            </a:r>
+            <a:r>
+              <a:rPr lang="en-US" altLang="ko-KR" dirty="0" smtClean="0"/>
+              <a:t>4-49.html, 4-50.html: </a:t>
+            </a:r>
+            <a:r>
+              <a:rPr lang="ko-KR" altLang="en-US" dirty="0" smtClean="0"/>
+              <a:t>부모요소의 </a:t>
+            </a:r>
+            <a:r>
+              <a:rPr lang="en-US" altLang="ko-KR" dirty="0" smtClean="0"/>
+              <a:t>height</a:t>
+            </a:r>
+            <a:r>
+              <a:rPr lang="ko-KR" altLang="en-US" dirty="0" smtClean="0"/>
+              <a:t>와 컨텐츠 요소의 </a:t>
+            </a:r>
+            <a:r>
+              <a:rPr lang="en-US" altLang="ko-KR" dirty="0" smtClean="0"/>
+              <a:t>line-height </a:t>
+            </a:r>
+            <a:r>
+              <a:rPr lang="ko-KR" altLang="en-US" dirty="0" smtClean="0"/>
+              <a:t>크기를 맞춘다</a:t>
+            </a:r>
+            <a:r>
+              <a:rPr lang="en-US" altLang="ko-KR" dirty="0" smtClean="0"/>
+              <a:t>.</a:t>
+            </a:r>
+          </a:p>
+          <a:p>
+            <a:pPr lvl="1"/>
+            <a:endParaRPr lang="en-US" altLang="ko-KR" dirty="0" smtClean="0"/>
+          </a:p>
+          <a:p>
+            <a:r>
+              <a:rPr lang="en-US" altLang="ko-KR" dirty="0" smtClean="0"/>
+              <a:t>font</a:t>
+            </a:r>
+            <a:r>
+              <a:rPr lang="ko-KR" altLang="en-US" dirty="0" smtClean="0"/>
+              <a:t>속성을 </a:t>
+            </a:r>
+            <a:r>
+              <a:rPr lang="ko-KR" altLang="en-US" dirty="0" err="1" smtClean="0"/>
+              <a:t>한줄에</a:t>
+            </a:r>
+            <a:endParaRPr lang="en-US" altLang="ko-KR" dirty="0" smtClean="0"/>
+          </a:p>
+          <a:p>
+            <a:pPr lvl="1"/>
+            <a:r>
+              <a:rPr lang="en-US" altLang="ko-KR" dirty="0" smtClean="0"/>
+              <a:t>font: [style] [weight] [size] / [line-height] [font-family]</a:t>
+            </a:r>
+          </a:p>
+          <a:p>
+            <a:pPr lvl="1">
+              <a:buNone/>
+            </a:pPr>
+            <a:endParaRPr lang="en-US" altLang="ko-KR" dirty="0" smtClean="0"/>
+          </a:p>
+        </p:txBody>
+      </p:sp>
+    </p:spTree>
+    <p:extLst>
+      <p:ext uri="{BB962C8B-B14F-4D97-AF65-F5344CB8AC3E}">
+        <p14:creationId xmlns:p14="http://schemas.microsoft.com/office/powerpoint/2010/main" val="3348345000"/>
+      </p:ext>
+    </p:extLst>
+  </p:cSld>
+  <p:clrMapOvr>
+    <a:masterClrMapping/>
+  </p:clrMapOvr>
+</p:sld>
+</file>
+
+<file path=ppt/slides/slide14.xml><?xml version="1.0" encoding="utf-8"?>
+<p:sld xmlns:a="http://schemas.openxmlformats.org/drawingml/2006/main" xmlns:r="http://schemas.openxmlformats.org/officeDocument/2006/relationships" xmlns:p="http://schemas.openxmlformats.org/presentationml/2006/main">
+  <p:cSld>
+    <p:spTree>
+      <p:nvGrpSpPr>
+        <p:cNvPr id="1" name=""/>
+        <p:cNvGrpSpPr/>
+        <p:nvPr/>
+      </p:nvGrpSpPr>
+      <p:grpSpPr>
+        <a:xfrm>
+          <a:off x="0" y="0"/>
+          <a:ext cx="0" cy="0"/>
+          <a:chOff x="0" y="0"/>
+          <a:chExt cx="0" cy="0"/>
+        </a:xfrm>
+      </p:grpSpPr>
+      <p:sp>
+        <p:nvSpPr>
+          <p:cNvPr id="2" name="제목 1"/>
+          <p:cNvSpPr>
+            <a:spLocks noGrp="1"/>
+          </p:cNvSpPr>
+          <p:nvPr>
+            <p:ph type="title"/>
+          </p:nvPr>
+        </p:nvSpPr>
+        <p:spPr/>
+        <p:txBody>
+          <a:bodyPr/>
+          <a:lstStyle/>
+          <a:p>
+            <a:r>
+              <a:rPr lang="en-US" altLang="ko-KR" dirty="0" smtClean="0"/>
+              <a:t>4.5 </a:t>
+            </a:r>
+            <a:r>
+              <a:rPr lang="ko-KR" altLang="en-US" dirty="0" smtClean="0"/>
+              <a:t>배경 속성</a:t>
+            </a:r>
+            <a:endParaRPr lang="ko-KR" altLang="en-US" dirty="0"/>
+          </a:p>
+        </p:txBody>
+      </p:sp>
+      <p:sp>
+        <p:nvSpPr>
+          <p:cNvPr id="28" name="내용 개체 틀 2"/>
+          <p:cNvSpPr>
+            <a:spLocks noGrp="1"/>
+          </p:cNvSpPr>
+          <p:nvPr>
+            <p:ph idx="1"/>
+          </p:nvPr>
+        </p:nvSpPr>
+        <p:spPr>
+          <a:xfrm>
+            <a:off x="457200" y="1600200"/>
+            <a:ext cx="8229600" cy="4525963"/>
+          </a:xfrm>
+        </p:spPr>
+        <p:txBody>
+          <a:bodyPr>
+            <a:normAutofit/>
+          </a:bodyPr>
+          <a:lstStyle/>
+          <a:p>
+            <a:r>
+              <a:rPr lang="en-US" altLang="ko-KR" dirty="0" smtClean="0"/>
+              <a:t>background-image </a:t>
+            </a:r>
+            <a:r>
+              <a:rPr lang="ko-KR" altLang="en-US" dirty="0" smtClean="0"/>
+              <a:t>속성</a:t>
+            </a:r>
+            <a:endParaRPr lang="en-US" altLang="ko-KR" dirty="0" smtClean="0"/>
+          </a:p>
+          <a:p>
+            <a:pPr lvl="1"/>
+            <a:r>
+              <a:rPr lang="ko-KR" altLang="en-US" dirty="0" smtClean="0"/>
+              <a:t>여러 개를 중첩해서 넣을 수도 있음</a:t>
+            </a:r>
+            <a:endParaRPr lang="en-US" altLang="ko-KR" dirty="0" smtClean="0"/>
+          </a:p>
+          <a:p>
+            <a:pPr lvl="1"/>
+            <a:r>
+              <a:rPr lang="ko-KR" altLang="en-US" dirty="0" smtClean="0"/>
+              <a:t>예제 </a:t>
+            </a:r>
+            <a:r>
+              <a:rPr lang="en-US" altLang="ko-KR" dirty="0" smtClean="0"/>
+              <a:t>4-32.html, 4-33.html</a:t>
+            </a:r>
+          </a:p>
+          <a:p>
+            <a:pPr lvl="1"/>
+            <a:endParaRPr lang="en-US" altLang="ko-KR" dirty="0" smtClean="0"/>
+          </a:p>
+          <a:p>
+            <a:r>
+              <a:rPr lang="en-US" altLang="ko-KR" dirty="0" smtClean="0"/>
+              <a:t>background-size </a:t>
+            </a:r>
+            <a:r>
+              <a:rPr lang="ko-KR" altLang="en-US" dirty="0" smtClean="0"/>
+              <a:t>속성</a:t>
+            </a:r>
+            <a:endParaRPr lang="en-US" altLang="ko-KR" dirty="0" smtClean="0"/>
+          </a:p>
+          <a:p>
+            <a:pPr lvl="1"/>
+            <a:r>
+              <a:rPr lang="ko-KR" altLang="en-US" dirty="0" smtClean="0"/>
+              <a:t>값을 하나만 넣으면 너비</a:t>
+            </a:r>
+            <a:r>
+              <a:rPr lang="en-US" altLang="ko-KR" dirty="0" smtClean="0"/>
+              <a:t>, </a:t>
+            </a:r>
+            <a:r>
+              <a:rPr lang="ko-KR" altLang="en-US" dirty="0" err="1" smtClean="0"/>
+              <a:t>두개면</a:t>
+            </a:r>
+            <a:r>
+              <a:rPr lang="ko-KR" altLang="en-US" dirty="0" smtClean="0"/>
+              <a:t> 너비 높이</a:t>
+            </a:r>
+            <a:endParaRPr lang="en-US" altLang="ko-KR" dirty="0" smtClean="0"/>
+          </a:p>
+          <a:p>
+            <a:pPr lvl="1"/>
+            <a:r>
+              <a:rPr lang="ko-KR" altLang="en-US" dirty="0" smtClean="0"/>
+              <a:t>예제 </a:t>
+            </a:r>
+            <a:r>
+              <a:rPr lang="en-US" altLang="ko-KR" dirty="0" smtClean="0"/>
+              <a:t>4-34.html, 4-35.html</a:t>
+            </a:r>
+          </a:p>
+          <a:p>
+            <a:pPr lvl="1"/>
+            <a:r>
+              <a:rPr lang="ko-KR" altLang="en-US" dirty="0" smtClean="0"/>
+              <a:t>쉼표로 </a:t>
+            </a:r>
+            <a:r>
+              <a:rPr lang="ko-KR" altLang="en-US" smtClean="0"/>
+              <a:t>구분하면 여러 이미지 너비를 지정</a:t>
+            </a:r>
+            <a:endParaRPr lang="en-US" altLang="ko-KR" dirty="0" smtClean="0"/>
+          </a:p>
+          <a:p>
+            <a:pPr lvl="1"/>
+            <a:endParaRPr lang="en-US" altLang="ko-KR" dirty="0" smtClean="0"/>
+          </a:p>
+          <a:p>
+            <a:pPr lvl="1"/>
+            <a:endParaRPr lang="en-US" altLang="ko-KR" dirty="0" smtClean="0"/>
+          </a:p>
+          <a:p>
+            <a:pPr lvl="1"/>
+            <a:endParaRPr lang="en-US" altLang="ko-KR" dirty="0" smtClean="0"/>
+          </a:p>
+          <a:p>
+            <a:pPr lvl="1">
+              <a:buNone/>
+            </a:pPr>
+            <a:endParaRPr lang="en-US" altLang="ko-KR" dirty="0" smtClean="0"/>
+          </a:p>
+        </p:txBody>
+      </p:sp>
+    </p:spTree>
+    <p:extLst>
+      <p:ext uri="{BB962C8B-B14F-4D97-AF65-F5344CB8AC3E}">
+        <p14:creationId xmlns:p14="http://schemas.microsoft.com/office/powerpoint/2010/main" val="2127320976"/>
+      </p:ext>
+    </p:extLst>
+  </p:cSld>
+  <p:clrMapOvr>
+    <a:masterClrMapping/>
+  </p:clrMapOvr>
+</p:sld>
+</file>
+
+<file path=ppt/slides/slide15.xml><?xml version="1.0" encoding="utf-8"?>
+<p:sld xmlns:a="http://schemas.openxmlformats.org/drawingml/2006/main" xmlns:r="http://schemas.openxmlformats.org/officeDocument/2006/relationships" xmlns:p="http://schemas.openxmlformats.org/presentationml/2006/main">
+  <p:cSld>
+    <p:spTree>
+      <p:nvGrpSpPr>
+        <p:cNvPr id="1" name=""/>
+        <p:cNvGrpSpPr/>
+        <p:nvPr/>
+      </p:nvGrpSpPr>
+      <p:grpSpPr>
+        <a:xfrm>
+          <a:off x="0" y="0"/>
+          <a:ext cx="0" cy="0"/>
+          <a:chOff x="0" y="0"/>
+          <a:chExt cx="0" cy="0"/>
+        </a:xfrm>
+      </p:grpSpPr>
+      <p:sp>
+        <p:nvSpPr>
+          <p:cNvPr id="2" name="제목 1"/>
+          <p:cNvSpPr>
+            <a:spLocks noGrp="1"/>
+          </p:cNvSpPr>
+          <p:nvPr>
+            <p:ph type="title"/>
+          </p:nvPr>
+        </p:nvSpPr>
+        <p:spPr/>
+        <p:txBody>
+          <a:bodyPr/>
+          <a:lstStyle/>
+          <a:p>
+            <a:r>
+              <a:rPr lang="en-US" altLang="ko-KR" dirty="0" smtClean="0"/>
+              <a:t>4.5 </a:t>
+            </a:r>
+            <a:r>
+              <a:rPr lang="ko-KR" altLang="en-US" dirty="0" smtClean="0"/>
+              <a:t>배경 속성</a:t>
+            </a:r>
+            <a:endParaRPr lang="ko-KR" altLang="en-US" dirty="0"/>
+          </a:p>
+        </p:txBody>
+      </p:sp>
+      <p:sp>
+        <p:nvSpPr>
+          <p:cNvPr id="28" name="내용 개체 틀 2"/>
+          <p:cNvSpPr>
+            <a:spLocks noGrp="1"/>
+          </p:cNvSpPr>
+          <p:nvPr>
+            <p:ph idx="1"/>
+          </p:nvPr>
+        </p:nvSpPr>
+        <p:spPr>
+          <a:xfrm>
+            <a:off x="457200" y="1600200"/>
+            <a:ext cx="8229600" cy="4525963"/>
+          </a:xfrm>
+        </p:spPr>
+        <p:txBody>
+          <a:bodyPr>
+            <a:normAutofit fontScale="85000" lnSpcReduction="20000"/>
+          </a:bodyPr>
+          <a:lstStyle/>
+          <a:p>
+            <a:r>
+              <a:rPr lang="en-US" altLang="ko-KR" dirty="0" smtClean="0"/>
+              <a:t>background-repeat </a:t>
+            </a:r>
+            <a:r>
+              <a:rPr lang="ko-KR" altLang="en-US" dirty="0" smtClean="0"/>
+              <a:t>속성</a:t>
+            </a:r>
+            <a:endParaRPr lang="en-US" altLang="ko-KR" dirty="0" smtClean="0"/>
+          </a:p>
+          <a:p>
+            <a:pPr lvl="1"/>
+            <a:r>
+              <a:rPr lang="ko-KR" altLang="en-US" dirty="0" smtClean="0"/>
+              <a:t>배경이미지 반복처리 여부</a:t>
+            </a:r>
+            <a:endParaRPr lang="en-US" altLang="ko-KR" dirty="0" smtClean="0"/>
+          </a:p>
+          <a:p>
+            <a:pPr lvl="1"/>
+            <a:r>
+              <a:rPr lang="ko-KR" altLang="en-US" dirty="0" smtClean="0"/>
+              <a:t>예제 </a:t>
+            </a:r>
+            <a:r>
+              <a:rPr lang="en-US" altLang="ko-KR" dirty="0" smtClean="0"/>
+              <a:t>4-37.html</a:t>
+            </a:r>
+          </a:p>
+          <a:p>
+            <a:pPr lvl="1"/>
+            <a:endParaRPr lang="en-US" altLang="ko-KR" dirty="0" smtClean="0"/>
+          </a:p>
+          <a:p>
+            <a:r>
+              <a:rPr lang="en-US" altLang="ko-KR" dirty="0" smtClean="0"/>
+              <a:t>background-attachment </a:t>
+            </a:r>
+            <a:r>
+              <a:rPr lang="ko-KR" altLang="en-US" dirty="0" smtClean="0"/>
+              <a:t>속성</a:t>
+            </a:r>
+            <a:endParaRPr lang="en-US" altLang="ko-KR" dirty="0" smtClean="0"/>
+          </a:p>
+          <a:p>
+            <a:pPr lvl="1"/>
+            <a:r>
+              <a:rPr lang="ko-KR" altLang="en-US" dirty="0" smtClean="0"/>
+              <a:t>배경이미지 고정</a:t>
+            </a:r>
+            <a:r>
+              <a:rPr lang="en-US" altLang="ko-KR" dirty="0" smtClean="0"/>
+              <a:t>, </a:t>
+            </a:r>
+            <a:r>
+              <a:rPr lang="ko-KR" altLang="en-US" dirty="0" smtClean="0"/>
+              <a:t>스크롤 처리</a:t>
+            </a:r>
+            <a:endParaRPr lang="en-US" altLang="ko-KR" dirty="0" smtClean="0"/>
+          </a:p>
+          <a:p>
+            <a:pPr lvl="1"/>
+            <a:r>
+              <a:rPr lang="ko-KR" altLang="en-US" dirty="0" smtClean="0"/>
+              <a:t>예제 </a:t>
+            </a:r>
+            <a:r>
+              <a:rPr lang="en-US" altLang="ko-KR" dirty="0" smtClean="0"/>
+              <a:t>4-38.html, 4-39.html</a:t>
+            </a:r>
+          </a:p>
+          <a:p>
+            <a:pPr lvl="1"/>
+            <a:endParaRPr lang="en-US" altLang="ko-KR" dirty="0" smtClean="0"/>
+          </a:p>
+          <a:p>
+            <a:r>
+              <a:rPr lang="en-US" altLang="ko-KR" dirty="0" smtClean="0"/>
+              <a:t>background-position </a:t>
+            </a:r>
+            <a:r>
+              <a:rPr lang="ko-KR" altLang="en-US" dirty="0" smtClean="0"/>
+              <a:t>속성</a:t>
+            </a:r>
+            <a:endParaRPr lang="en-US" altLang="ko-KR" dirty="0" smtClean="0"/>
+          </a:p>
+          <a:p>
+            <a:pPr lvl="1"/>
+            <a:r>
+              <a:rPr lang="ko-KR" altLang="en-US" dirty="0" smtClean="0"/>
+              <a:t>배경이미지의 위치</a:t>
+            </a:r>
+            <a:endParaRPr lang="en-US" altLang="ko-KR" dirty="0" smtClean="0"/>
+          </a:p>
+          <a:p>
+            <a:pPr lvl="1"/>
+            <a:r>
+              <a:rPr lang="ko-KR" altLang="en-US" dirty="0" smtClean="0"/>
+              <a:t>예제 </a:t>
+            </a:r>
+            <a:r>
+              <a:rPr lang="en-US" altLang="ko-KR" dirty="0" smtClean="0"/>
+              <a:t>4-40.html, 4-41.html</a:t>
+            </a:r>
+          </a:p>
+          <a:p>
+            <a:pPr lvl="1"/>
+            <a:endParaRPr lang="en-US" altLang="ko-KR" dirty="0" smtClean="0"/>
+          </a:p>
+          <a:p>
+            <a:pPr lvl="1"/>
+            <a:endParaRPr lang="en-US" altLang="ko-KR" dirty="0" smtClean="0"/>
+          </a:p>
+          <a:p>
+            <a:pPr lvl="1">
+              <a:buNone/>
+            </a:pPr>
+            <a:endParaRPr lang="en-US" altLang="ko-KR" dirty="0" smtClean="0"/>
+          </a:p>
+        </p:txBody>
+      </p:sp>
+    </p:spTree>
+    <p:extLst>
+      <p:ext uri="{BB962C8B-B14F-4D97-AF65-F5344CB8AC3E}">
+        <p14:creationId xmlns:p14="http://schemas.microsoft.com/office/powerpoint/2010/main" val="3015135121"/>
+      </p:ext>
+    </p:extLst>
+  </p:cSld>
+  <p:clrMapOvr>
+    <a:masterClrMapping/>
+  </p:clrMapOvr>
+</p:sld>
+</file>
+
+<file path=ppt/slides/slide16.xml><?xml version="1.0" encoding="utf-8"?>
+<p:sld xmlns:a="http://schemas.openxmlformats.org/drawingml/2006/main" xmlns:r="http://schemas.openxmlformats.org/officeDocument/2006/relationships" xmlns:p="http://schemas.openxmlformats.org/presentationml/2006/main">
+  <p:cSld>
+    <p:spTree>
+      <p:nvGrpSpPr>
+        <p:cNvPr id="1" name=""/>
+        <p:cNvGrpSpPr/>
+        <p:nvPr/>
+      </p:nvGrpSpPr>
+      <p:grpSpPr>
+        <a:xfrm>
+          <a:off x="0" y="0"/>
+          <a:ext cx="0" cy="0"/>
+          <a:chOff x="0" y="0"/>
+          <a:chExt cx="0" cy="0"/>
+        </a:xfrm>
+      </p:grpSpPr>
+      <p:sp>
+        <p:nvSpPr>
+          <p:cNvPr id="2" name="제목 1"/>
+          <p:cNvSpPr>
+            <a:spLocks noGrp="1"/>
+          </p:cNvSpPr>
+          <p:nvPr>
+            <p:ph type="title"/>
+          </p:nvPr>
+        </p:nvSpPr>
+        <p:spPr/>
+        <p:txBody>
+          <a:bodyPr/>
+          <a:lstStyle/>
+          <a:p>
+            <a:r>
+              <a:rPr lang="en-US" altLang="ko-KR" dirty="0" smtClean="0"/>
+              <a:t>4.5 </a:t>
+            </a:r>
+            <a:r>
+              <a:rPr lang="ko-KR" altLang="en-US" dirty="0" smtClean="0"/>
+              <a:t>배경 속성</a:t>
+            </a:r>
+            <a:endParaRPr lang="ko-KR" altLang="en-US" dirty="0"/>
+          </a:p>
+        </p:txBody>
+      </p:sp>
+      <p:sp>
+        <p:nvSpPr>
+          <p:cNvPr id="28" name="내용 개체 틀 2"/>
+          <p:cNvSpPr>
+            <a:spLocks noGrp="1"/>
+          </p:cNvSpPr>
+          <p:nvPr>
+            <p:ph idx="1"/>
+          </p:nvPr>
+        </p:nvSpPr>
+        <p:spPr>
+          <a:xfrm>
+            <a:off x="457200" y="1600200"/>
+            <a:ext cx="8229600" cy="4525963"/>
+          </a:xfrm>
+        </p:spPr>
+        <p:txBody>
+          <a:bodyPr>
+            <a:normAutofit/>
+          </a:bodyPr>
+          <a:lstStyle/>
+          <a:p>
+            <a:r>
+              <a:rPr lang="en-US" altLang="ko-KR" dirty="0" smtClean="0"/>
+              <a:t>background </a:t>
+            </a:r>
+            <a:r>
+              <a:rPr lang="ko-KR" altLang="en-US" dirty="0" smtClean="0"/>
+              <a:t>속성</a:t>
+            </a:r>
+            <a:endParaRPr lang="en-US" altLang="ko-KR" dirty="0" smtClean="0"/>
+          </a:p>
+          <a:p>
+            <a:pPr lvl="1"/>
+            <a:r>
+              <a:rPr lang="ko-KR" altLang="en-US" dirty="0" smtClean="0"/>
+              <a:t>예제 </a:t>
+            </a:r>
+            <a:r>
+              <a:rPr lang="en-US" altLang="ko-KR" dirty="0" smtClean="0"/>
+              <a:t>4-43.html</a:t>
+            </a:r>
+          </a:p>
+          <a:p>
+            <a:pPr lvl="1"/>
+            <a:r>
+              <a:rPr lang="en-US" altLang="ko-KR" dirty="0" smtClean="0"/>
+              <a:t>background: [image] [position] [size] [repeat] [</a:t>
+            </a:r>
+            <a:r>
+              <a:rPr lang="en-US" altLang="ko-KR" dirty="0" err="1" smtClean="0"/>
+              <a:t>attachement</a:t>
+            </a:r>
+            <a:r>
+              <a:rPr lang="en-US" altLang="ko-KR" dirty="0" smtClean="0"/>
+              <a:t>] [color]</a:t>
+            </a:r>
+          </a:p>
+          <a:p>
+            <a:pPr lvl="1"/>
+            <a:endParaRPr lang="en-US" altLang="ko-KR" dirty="0" smtClean="0"/>
+          </a:p>
+          <a:p>
+            <a:pPr lvl="1">
+              <a:buNone/>
+            </a:pPr>
+            <a:endParaRPr lang="en-US" altLang="ko-KR" dirty="0" smtClean="0"/>
+          </a:p>
+        </p:txBody>
+      </p:sp>
+    </p:spTree>
+    <p:extLst>
+      <p:ext uri="{BB962C8B-B14F-4D97-AF65-F5344CB8AC3E}">
+        <p14:creationId xmlns:p14="http://schemas.microsoft.com/office/powerpoint/2010/main" val="3636156870"/>
+      </p:ext>
+    </p:extLst>
+  </p:cSld>
+  <p:clrMapOvr>
+    <a:masterClrMapping/>
+  </p:clrMapOvr>
+</p:sld>
+</file>
+
+<file path=ppt/slides/slide17.xml><?xml version="1.0" encoding="utf-8"?>
+<p:sld xmlns:a="http://schemas.openxmlformats.org/drawingml/2006/main" xmlns:r="http://schemas.openxmlformats.org/officeDocument/2006/relationships" xmlns:p="http://schemas.openxmlformats.org/presentationml/2006/main">
+  <p:cSld>
+    <p:spTree>
+      <p:nvGrpSpPr>
+        <p:cNvPr id="1" name=""/>
+        <p:cNvGrpSpPr/>
+        <p:nvPr/>
+      </p:nvGrpSpPr>
+      <p:grpSpPr>
+        <a:xfrm>
+          <a:off x="0" y="0"/>
+          <a:ext cx="0" cy="0"/>
+          <a:chOff x="0" y="0"/>
+          <a:chExt cx="0" cy="0"/>
+        </a:xfrm>
+      </p:grpSpPr>
+      <p:sp>
+        <p:nvSpPr>
+          <p:cNvPr id="2" name="제목 1"/>
+          <p:cNvSpPr>
+            <a:spLocks noGrp="1"/>
+          </p:cNvSpPr>
+          <p:nvPr>
+            <p:ph type="title"/>
+          </p:nvPr>
+        </p:nvSpPr>
+        <p:spPr/>
+        <p:txBody>
+          <a:bodyPr/>
+          <a:lstStyle/>
+          <a:p>
+            <a:r>
+              <a:rPr lang="en-US" altLang="ko-KR" dirty="0" smtClean="0"/>
+              <a:t>4.9 </a:t>
+            </a:r>
+            <a:r>
+              <a:rPr lang="ko-KR" altLang="en-US" dirty="0" smtClean="0"/>
+              <a:t>그림자 속성</a:t>
+            </a:r>
+            <a:endParaRPr lang="ko-KR" altLang="en-US" dirty="0"/>
+          </a:p>
+        </p:txBody>
+      </p:sp>
+      <p:sp>
+        <p:nvSpPr>
+          <p:cNvPr id="28" name="내용 개체 틀 2"/>
+          <p:cNvSpPr>
+            <a:spLocks noGrp="1"/>
+          </p:cNvSpPr>
+          <p:nvPr>
+            <p:ph idx="1"/>
+          </p:nvPr>
+        </p:nvSpPr>
+        <p:spPr>
+          <a:xfrm>
+            <a:off x="457200" y="1600200"/>
+            <a:ext cx="8229600" cy="4525963"/>
+          </a:xfrm>
+        </p:spPr>
+        <p:txBody>
+          <a:bodyPr>
+            <a:normAutofit fontScale="85000" lnSpcReduction="20000"/>
+          </a:bodyPr>
+          <a:lstStyle/>
+          <a:p>
+            <a:r>
+              <a:rPr lang="en-US" altLang="ko-KR" dirty="0" smtClean="0"/>
+              <a:t>text-shadow </a:t>
+            </a:r>
+            <a:r>
+              <a:rPr lang="ko-KR" altLang="en-US" dirty="0" smtClean="0"/>
+              <a:t>속성</a:t>
+            </a:r>
+          </a:p>
+          <a:p>
+            <a:pPr lvl="1"/>
+            <a:r>
+              <a:rPr lang="ko-KR" altLang="en-US" dirty="0" smtClean="0"/>
+              <a:t>글자에 그림자를 부여</a:t>
+            </a:r>
+            <a:r>
+              <a:rPr lang="en-US" altLang="ko-KR" dirty="0" smtClean="0"/>
+              <a:t>, </a:t>
+            </a:r>
+            <a:r>
+              <a:rPr lang="ko-KR" altLang="en-US" dirty="0" smtClean="0"/>
+              <a:t>예제 </a:t>
+            </a:r>
+            <a:r>
+              <a:rPr lang="en-US" altLang="ko-KR" dirty="0" smtClean="0"/>
+              <a:t>4-72.html</a:t>
+            </a:r>
+          </a:p>
+          <a:p>
+            <a:pPr lvl="1"/>
+            <a:r>
+              <a:rPr lang="en-US" altLang="ko-KR" dirty="0" smtClean="0"/>
+              <a:t>text-shadow: </a:t>
+            </a:r>
+            <a:r>
+              <a:rPr lang="ko-KR" altLang="en-US" dirty="0" smtClean="0"/>
+              <a:t>오른쪽 아래 흐림도 색상</a:t>
+            </a:r>
+            <a:endParaRPr lang="en-US" altLang="ko-KR" dirty="0" smtClean="0"/>
+          </a:p>
+          <a:p>
+            <a:pPr lvl="1"/>
+            <a:r>
+              <a:rPr lang="en-US" altLang="ko-KR" dirty="0" smtClean="0"/>
+              <a:t>text-shadow: 5px </a:t>
+            </a:r>
+            <a:r>
+              <a:rPr lang="en-US" altLang="ko-KR" dirty="0" err="1" smtClean="0"/>
+              <a:t>5px</a:t>
+            </a:r>
+            <a:r>
+              <a:rPr lang="en-US" altLang="ko-KR" dirty="0" smtClean="0"/>
+              <a:t> </a:t>
+            </a:r>
+            <a:r>
+              <a:rPr lang="en-US" altLang="ko-KR" dirty="0" err="1" smtClean="0"/>
+              <a:t>5px</a:t>
+            </a:r>
+            <a:r>
+              <a:rPr lang="en-US" altLang="ko-KR" dirty="0" smtClean="0"/>
+              <a:t> black;</a:t>
+            </a:r>
+          </a:p>
+          <a:p>
+            <a:pPr lvl="1"/>
+            <a:endParaRPr lang="en-US" altLang="ko-KR" dirty="0" smtClean="0"/>
+          </a:p>
+          <a:p>
+            <a:r>
+              <a:rPr lang="en-US" altLang="ko-KR" dirty="0" smtClean="0"/>
+              <a:t>box-shadow </a:t>
+            </a:r>
+            <a:r>
+              <a:rPr lang="ko-KR" altLang="en-US" dirty="0" smtClean="0"/>
+              <a:t>속성</a:t>
+            </a:r>
+            <a:endParaRPr lang="en-US" altLang="ko-KR" dirty="0" smtClean="0"/>
+          </a:p>
+          <a:p>
+            <a:pPr lvl="1"/>
+            <a:r>
+              <a:rPr lang="ko-KR" altLang="en-US" dirty="0" smtClean="0"/>
+              <a:t>박스에 그림자 부여</a:t>
+            </a:r>
+            <a:r>
+              <a:rPr lang="en-US" altLang="ko-KR" dirty="0" smtClean="0"/>
+              <a:t>, </a:t>
+            </a:r>
+            <a:r>
+              <a:rPr lang="ko-KR" altLang="en-US" dirty="0" smtClean="0"/>
+              <a:t>예제 </a:t>
+            </a:r>
+            <a:r>
+              <a:rPr lang="en-US" altLang="ko-KR" dirty="0" smtClean="0"/>
+              <a:t>4-73.html</a:t>
+            </a:r>
+          </a:p>
+          <a:p>
+            <a:pPr lvl="1"/>
+            <a:r>
+              <a:rPr lang="en-US" altLang="ko-KR" dirty="0" smtClean="0"/>
+              <a:t>box-shadow: </a:t>
+            </a:r>
+            <a:r>
+              <a:rPr lang="ko-KR" altLang="en-US" dirty="0" smtClean="0"/>
+              <a:t>오른쪽 아래 흐림도 색상</a:t>
+            </a:r>
+            <a:endParaRPr lang="en-US" altLang="ko-KR" dirty="0" smtClean="0"/>
+          </a:p>
+          <a:p>
+            <a:pPr lvl="1"/>
+            <a:r>
+              <a:rPr lang="en-US" altLang="ko-KR" dirty="0" smtClean="0"/>
+              <a:t>box-shadow: 5px </a:t>
+            </a:r>
+            <a:r>
+              <a:rPr lang="en-US" altLang="ko-KR" dirty="0" err="1" smtClean="0"/>
+              <a:t>5px</a:t>
+            </a:r>
+            <a:r>
+              <a:rPr lang="en-US" altLang="ko-KR" dirty="0" smtClean="0"/>
+              <a:t> </a:t>
+            </a:r>
+            <a:r>
+              <a:rPr lang="en-US" altLang="ko-KR" dirty="0" err="1" smtClean="0"/>
+              <a:t>5px</a:t>
+            </a:r>
+            <a:r>
+              <a:rPr lang="en-US" altLang="ko-KR" dirty="0" smtClean="0"/>
+              <a:t> black;</a:t>
+            </a:r>
+          </a:p>
+          <a:p>
+            <a:pPr lvl="1"/>
+            <a:endParaRPr lang="en-US" altLang="ko-KR" dirty="0" smtClean="0"/>
+          </a:p>
+          <a:p>
+            <a:r>
+              <a:rPr lang="ko-KR" altLang="en-US" dirty="0" smtClean="0"/>
+              <a:t>중첩 그림자</a:t>
+            </a:r>
+            <a:r>
+              <a:rPr lang="en-US" altLang="ko-KR" dirty="0" smtClean="0"/>
+              <a:t>, </a:t>
+            </a:r>
+            <a:r>
+              <a:rPr lang="ko-KR" altLang="en-US" dirty="0" smtClean="0"/>
+              <a:t>예제 </a:t>
+            </a:r>
+            <a:r>
+              <a:rPr lang="en-US" altLang="ko-KR" dirty="0" smtClean="0"/>
+              <a:t>4-74.html</a:t>
+            </a:r>
+          </a:p>
+        </p:txBody>
+      </p:sp>
+    </p:spTree>
+    <p:extLst>
+      <p:ext uri="{BB962C8B-B14F-4D97-AF65-F5344CB8AC3E}">
+        <p14:creationId xmlns:p14="http://schemas.microsoft.com/office/powerpoint/2010/main" val="2153510914"/>
+      </p:ext>
+    </p:extLst>
+  </p:cSld>
+  <p:clrMapOvr>
+    <a:masterClrMapping/>
+  </p:clrMapOvr>
+</p:sld>
+</file>
+
+<file path=ppt/slides/slide18.xml><?xml version="1.0" encoding="utf-8"?>
+<p:sld xmlns:a="http://schemas.openxmlformats.org/drawingml/2006/main" xmlns:r="http://schemas.openxmlformats.org/officeDocument/2006/relationships" xmlns:p="http://schemas.openxmlformats.org/presentationml/2006/main">
+  <p:cSld>
+    <p:spTree>
+      <p:nvGrpSpPr>
+        <p:cNvPr id="1" name=""/>
+        <p:cNvGrpSpPr/>
+        <p:nvPr/>
+      </p:nvGrpSpPr>
+      <p:grpSpPr>
+        <a:xfrm>
+          <a:off x="0" y="0"/>
+          <a:ext cx="0" cy="0"/>
+          <a:chOff x="0" y="0"/>
+          <a:chExt cx="0" cy="0"/>
+        </a:xfrm>
+      </p:grpSpPr>
+      <p:sp>
+        <p:nvSpPr>
+          <p:cNvPr id="2" name="제목 1"/>
+          <p:cNvSpPr>
+            <a:spLocks noGrp="1"/>
+          </p:cNvSpPr>
+          <p:nvPr>
+            <p:ph type="title"/>
+          </p:nvPr>
+        </p:nvSpPr>
+        <p:spPr/>
+        <p:txBody>
+          <a:bodyPr/>
+          <a:lstStyle/>
+          <a:p>
+            <a:r>
+              <a:rPr lang="ko-KR" altLang="en-US" dirty="0" smtClean="0"/>
+              <a:t>참고자료</a:t>
+            </a:r>
+            <a:endParaRPr lang="ko-KR" altLang="en-US" dirty="0"/>
+          </a:p>
+        </p:txBody>
+      </p:sp>
+      <p:sp>
+        <p:nvSpPr>
+          <p:cNvPr id="3" name="내용 개체 틀 2"/>
+          <p:cNvSpPr>
+            <a:spLocks noGrp="1"/>
+          </p:cNvSpPr>
+          <p:nvPr>
+            <p:ph idx="1"/>
+          </p:nvPr>
+        </p:nvSpPr>
+        <p:spPr/>
+        <p:txBody>
+          <a:bodyPr/>
+          <a:lstStyle/>
+          <a:p>
+            <a:r>
+              <a:rPr lang="ko-KR" altLang="en-US" dirty="0">
+                <a:hlinkClick r:id="rId2"/>
+              </a:rPr>
+              <a:t>모던 웹을 위한 </a:t>
+            </a:r>
+            <a:r>
+              <a:rPr lang="en-US" altLang="ko-KR" dirty="0" err="1">
+                <a:hlinkClick r:id="rId2"/>
+              </a:rPr>
+              <a:t>HTML5+CSS3</a:t>
+            </a:r>
+            <a:r>
+              <a:rPr lang="en-US" altLang="ko-KR" dirty="0">
+                <a:hlinkClick r:id="rId2"/>
+              </a:rPr>
+              <a:t> </a:t>
+            </a:r>
+            <a:r>
+              <a:rPr lang="ko-KR" altLang="en-US" dirty="0">
+                <a:hlinkClick r:id="rId2"/>
+              </a:rPr>
+              <a:t>바이블</a:t>
+            </a:r>
+            <a:r>
+              <a:rPr lang="en-US" altLang="ko-KR" dirty="0">
+                <a:hlinkClick r:id="rId2"/>
+              </a:rPr>
+              <a:t>(3</a:t>
+            </a:r>
+            <a:r>
+              <a:rPr lang="ko-KR" altLang="en-US" dirty="0">
+                <a:hlinkClick r:id="rId2"/>
+              </a:rPr>
+              <a:t>판</a:t>
+            </a:r>
+            <a:r>
+              <a:rPr lang="en-US" altLang="ko-KR" dirty="0">
+                <a:hlinkClick r:id="rId2"/>
+              </a:rPr>
+              <a:t>)</a:t>
+            </a:r>
+            <a:r>
+              <a:rPr lang="ko-KR" altLang="en-US" dirty="0" err="1">
+                <a:hlinkClick r:id="rId2"/>
+              </a:rPr>
+              <a:t>윤인성</a:t>
+            </a:r>
+            <a:r>
+              <a:rPr lang="ko-KR" altLang="en-US" dirty="0">
+                <a:hlinkClick r:id="rId2"/>
+              </a:rPr>
+              <a:t> </a:t>
+            </a:r>
+            <a:r>
+              <a:rPr lang="en-US" altLang="ko-KR" dirty="0">
+                <a:hlinkClick r:id="rId2"/>
+              </a:rPr>
+              <a:t>| </a:t>
+            </a:r>
+            <a:r>
+              <a:rPr lang="ko-KR" altLang="en-US" dirty="0" err="1">
+                <a:hlinkClick r:id="rId2"/>
+              </a:rPr>
+              <a:t>한빛미디어</a:t>
+            </a:r>
+            <a:r>
+              <a:rPr lang="ko-KR" altLang="en-US" dirty="0">
+                <a:hlinkClick r:id="rId2"/>
+              </a:rPr>
+              <a:t> </a:t>
+            </a:r>
+          </a:p>
+          <a:p>
+            <a:r>
+              <a:rPr lang="en-US" altLang="ko-KR" b="1" dirty="0" err="1" smtClean="0"/>
+              <a:t>HTML5</a:t>
+            </a:r>
+            <a:r>
+              <a:rPr lang="en-US" altLang="ko-KR" b="1" dirty="0" smtClean="0"/>
+              <a:t> and </a:t>
+            </a:r>
+            <a:r>
+              <a:rPr lang="en-US" altLang="ko-KR" b="1" dirty="0" err="1" smtClean="0"/>
+              <a:t>CSS</a:t>
+            </a:r>
+            <a:r>
+              <a:rPr lang="en-US" altLang="ko-KR" b="1" dirty="0" smtClean="0"/>
+              <a:t> Fundamentals, </a:t>
+            </a:r>
+            <a:r>
+              <a:rPr lang="en-US" altLang="ko-KR" b="1" dirty="0" err="1" smtClean="0"/>
+              <a:t>edX</a:t>
+            </a:r>
+            <a:r>
+              <a:rPr lang="en-US" altLang="ko-KR" b="1" dirty="0" smtClean="0"/>
+              <a:t>(</a:t>
+            </a:r>
+            <a:r>
+              <a:rPr lang="en-US" altLang="ko-KR" b="1" dirty="0" err="1" smtClean="0"/>
+              <a:t>W3Cx</a:t>
+            </a:r>
+            <a:r>
+              <a:rPr lang="en-US" altLang="ko-KR" b="1" dirty="0" smtClean="0"/>
+              <a:t>)</a:t>
+            </a:r>
+          </a:p>
+          <a:p>
+            <a:endParaRPr lang="ko-KR" altLang="en-US" dirty="0"/>
+          </a:p>
+        </p:txBody>
+      </p:sp>
+    </p:spTree>
+    <p:extLst>
+      <p:ext uri="{BB962C8B-B14F-4D97-AF65-F5344CB8AC3E}">
+        <p14:creationId xmlns:p14="http://schemas.microsoft.com/office/powerpoint/2010/main" val="217639925"/>
+      </p:ext>
+    </p:extLst>
+  </p:cSld>
+  <p:clrMapOvr>
+    <a:masterClrMapping/>
+  </p:clrMapOvr>
+</p:sld>
+</file>
+
 <file path=ppt/slides/slide2.xml><?xml version="1.0" encoding="utf-8"?>
 <p:sld xmlns:a="http://schemas.openxmlformats.org/drawingml/2006/main" xmlns:r="http://schemas.openxmlformats.org/officeDocument/2006/relationships" xmlns:p="http://schemas.openxmlformats.org/presentationml/2006/main">
   <p:cSld>
@@ -3533,7 +5565,11 @@
             </a:r>
             <a:r>
               <a:rPr lang="en-US" altLang="ko-KR" dirty="0" smtClean="0"/>
-              <a:t> Module 4</a:t>
+              <a:t> Module </a:t>
+            </a:r>
+            <a:r>
+              <a:rPr lang="en-US" altLang="ko-KR" dirty="0" smtClean="0"/>
+              <a:t>7</a:t>
             </a:r>
             <a:endParaRPr lang="ko-KR" altLang="en-US" dirty="0"/>
           </a:p>
@@ -3556,31 +5592,11 @@
           <a:p>
             <a:r>
               <a:rPr lang="ko-KR" altLang="en-US" dirty="0" smtClean="0"/>
-              <a:t>기본 </a:t>
-            </a:r>
-            <a:r>
-              <a:rPr lang="ko-KR" altLang="en-US" dirty="0" err="1" smtClean="0"/>
-              <a:t>선택자</a:t>
-            </a:r>
-            <a:r>
-              <a:rPr lang="en-US" altLang="ko-KR" dirty="0" smtClean="0"/>
-              <a:t>, </a:t>
-            </a:r>
-            <a:r>
-              <a:rPr lang="ko-KR" altLang="en-US" dirty="0" smtClean="0"/>
-              <a:t>스타일 </a:t>
-            </a:r>
-            <a:r>
-              <a:rPr lang="ko-KR" altLang="en-US" dirty="0"/>
-              <a:t>선언</a:t>
-            </a:r>
-            <a:r>
-              <a:rPr lang="en-US" altLang="ko-KR" dirty="0"/>
-              <a:t>, </a:t>
-            </a:r>
-            <a:r>
-              <a:rPr lang="ko-KR" altLang="en-US" dirty="0" smtClean="0"/>
-              <a:t>색상</a:t>
+              <a:t>위치 속성</a:t>
+            </a:r>
+            <a:r>
+              <a:rPr lang="en-US" altLang="ko-KR" dirty="0" smtClean="0"/>
+              <a:t>, position, z-index, overflow, float</a:t>
             </a:r>
             <a:endParaRPr lang="en-US" altLang="ko-KR" dirty="0"/>
           </a:p>
@@ -3632,28 +5648,16 @@
           <a:lstStyle/>
           <a:p>
             <a:r>
-              <a:rPr lang="en-US" altLang="ko-KR" dirty="0"/>
-              <a:t>1</a:t>
-            </a:r>
-            <a:r>
-              <a:rPr lang="en-US" altLang="ko-KR" dirty="0" smtClean="0"/>
-              <a:t>. </a:t>
-            </a:r>
-            <a:r>
-              <a:rPr lang="en-US" altLang="ko-KR" dirty="0" err="1" smtClean="0"/>
-              <a:t>CSS</a:t>
+              <a:rPr lang="en-US" altLang="ko-KR" dirty="0" smtClean="0"/>
+              <a:t>1.</a:t>
             </a:r>
             <a:r>
               <a:rPr lang="en-US" altLang="ko-KR" dirty="0" smtClean="0"/>
               <a:t> </a:t>
             </a:r>
             <a:r>
-              <a:rPr lang="ko-KR" altLang="en-US" dirty="0" err="1" smtClean="0"/>
-              <a:t>선택자</a:t>
-            </a:r>
-            <a:r>
-              <a:rPr lang="en-US" altLang="ko-KR" dirty="0" smtClean="0"/>
-              <a:t>(Selector)</a:t>
+              <a:rPr lang="ko-KR" altLang="en-US" dirty="0" smtClean="0"/>
+              <a:t>위치 속성</a:t>
             </a:r>
             <a:endParaRPr lang="ko-KR" altLang="en-US" dirty="0"/>
           </a:p>
@@ -3661,308 +5665,302 @@
       </p:sp>
       <p:sp>
         <p:nvSpPr>
-          <p:cNvPr id="7" name="제목 1"/>
-          <p:cNvSpPr txBox="1">
-            <a:spLocks/>
-          </p:cNvSpPr>
-          <p:nvPr/>
+          <p:cNvPr id="28" name="내용 개체 틀 2"/>
+          <p:cNvSpPr>
+            <a:spLocks noGrp="1"/>
+          </p:cNvSpPr>
+          <p:nvPr>
+            <p:ph idx="1"/>
+          </p:nvPr>
         </p:nvSpPr>
         <p:spPr>
           <a:xfrm>
-            <a:off x="685800" y="2130425"/>
-            <a:ext cx="7772400" cy="1470025"/>
+            <a:off x="457200" y="1600200"/>
+            <a:ext cx="8229600" cy="4525963"/>
           </a:xfrm>
-          <a:prstGeom prst="rect">
-            <a:avLst/>
-          </a:prstGeom>
         </p:spPr>
         <p:txBody>
-          <a:bodyPr vert="horz" lIns="91440" tIns="45720" rIns="91440" bIns="45720" rtlCol="0" anchor="ctr">
-            <a:normAutofit/>
+          <a:bodyPr>
+            <a:normAutofit fontScale="62500" lnSpcReduction="20000"/>
           </a:bodyPr>
-          <a:lstStyle>
-            <a:lvl1pPr algn="ctr" defTabSz="914400" rtl="0" eaLnBrk="1" latinLnBrk="1" hangingPunct="1">
-              <a:spcBef>
-                <a:spcPct val="0"/>
-              </a:spcBef>
-              <a:buNone/>
-              <a:defRPr sz="4400" kern="1200">
-                <a:solidFill>
-                  <a:schemeClr val="tx1"/>
-                </a:solidFill>
-                <a:latin typeface="+mj-lt"/>
-                <a:ea typeface="+mj-ea"/>
-                <a:cs typeface="+mj-cs"/>
-              </a:defRPr>
-            </a:lvl1pPr>
-          </a:lstStyle>
-          <a:p>
-            <a:r>
-              <a:rPr lang="en-US" altLang="ko-KR" dirty="0" err="1" smtClean="0">
-                <a:solidFill>
-                  <a:schemeClr val="accent2">
-                    <a:lumMod val="50000"/>
-                  </a:schemeClr>
-                </a:solidFill>
-              </a:rPr>
-              <a:t>h1</a:t>
-            </a:r>
-            <a:r>
-              <a:rPr lang="en-US" altLang="ko-KR" dirty="0" smtClean="0"/>
-              <a:t> { </a:t>
-            </a:r>
-            <a:r>
-              <a:rPr lang="en-US" altLang="ko-KR" dirty="0" err="1" smtClean="0">
-                <a:solidFill>
-                  <a:srgbClr val="FF0000"/>
-                </a:solidFill>
-              </a:rPr>
-              <a:t>color</a:t>
-            </a:r>
-            <a:r>
-              <a:rPr lang="en-US" altLang="ko-KR" dirty="0" err="1" smtClean="0"/>
-              <a:t>:</a:t>
-            </a:r>
-            <a:r>
-              <a:rPr lang="en-US" altLang="ko-KR" dirty="0" err="1" smtClean="0">
-                <a:solidFill>
-                  <a:schemeClr val="tx2"/>
-                </a:solidFill>
-              </a:rPr>
-              <a:t>red</a:t>
-            </a:r>
-            <a:r>
-              <a:rPr lang="en-US" altLang="ko-KR" dirty="0" smtClean="0"/>
-              <a:t>; }</a:t>
-            </a:r>
-            <a:endParaRPr lang="ko-KR" altLang="en-US" dirty="0"/>
-          </a:p>
-        </p:txBody>
-      </p:sp>
-      <p:sp>
-        <p:nvSpPr>
-          <p:cNvPr id="8" name="부제목 2"/>
-          <p:cNvSpPr txBox="1">
-            <a:spLocks/>
-          </p:cNvSpPr>
-          <p:nvPr/>
-        </p:nvSpPr>
-        <p:spPr>
-          <a:xfrm>
-            <a:off x="2411760" y="3933056"/>
-            <a:ext cx="4320480" cy="1752600"/>
-          </a:xfrm>
-          <a:prstGeom prst="rect">
-            <a:avLst/>
-          </a:prstGeom>
-        </p:spPr>
-        <p:txBody>
-          <a:bodyPr vert="horz" lIns="91440" tIns="45720" rIns="91440" bIns="45720" rtlCol="0">
-            <a:normAutofit fontScale="85000" lnSpcReduction="20000"/>
-          </a:bodyPr>
-          <a:lstStyle>
-            <a:lvl1pPr marL="342900" indent="-342900" algn="l" defTabSz="914400" rtl="0" eaLnBrk="1" latinLnBrk="1" hangingPunct="1">
-              <a:spcBef>
-                <a:spcPct val="20000"/>
-              </a:spcBef>
-              <a:buFont typeface="Arial" pitchFamily="34" charset="0"/>
-              <a:buChar char="•"/>
-              <a:defRPr sz="3200" kern="1200">
-                <a:solidFill>
-                  <a:schemeClr val="tx1"/>
-                </a:solidFill>
-                <a:latin typeface="+mn-lt"/>
-                <a:ea typeface="+mn-ea"/>
-                <a:cs typeface="+mn-cs"/>
-              </a:defRPr>
-            </a:lvl1pPr>
-            <a:lvl2pPr marL="742950" indent="-285750" algn="l" defTabSz="914400" rtl="0" eaLnBrk="1" latinLnBrk="1" hangingPunct="1">
-              <a:spcBef>
-                <a:spcPct val="20000"/>
-              </a:spcBef>
-              <a:buFont typeface="Arial" pitchFamily="34" charset="0"/>
-              <a:buChar char="–"/>
-              <a:defRPr sz="2800" kern="1200">
-                <a:solidFill>
-                  <a:schemeClr val="tx1"/>
-                </a:solidFill>
-                <a:latin typeface="+mn-lt"/>
-                <a:ea typeface="+mn-ea"/>
-                <a:cs typeface="+mn-cs"/>
-              </a:defRPr>
-            </a:lvl2pPr>
-            <a:lvl3pPr marL="1143000" indent="-228600" algn="l" defTabSz="914400" rtl="0" eaLnBrk="1" latinLnBrk="1" hangingPunct="1">
-              <a:spcBef>
-                <a:spcPct val="20000"/>
-              </a:spcBef>
-              <a:buFont typeface="Arial" pitchFamily="34" charset="0"/>
-              <a:buChar char="•"/>
-              <a:defRPr sz="2400" kern="1200">
-                <a:solidFill>
-                  <a:schemeClr val="tx1"/>
-                </a:solidFill>
-                <a:latin typeface="+mn-lt"/>
-                <a:ea typeface="+mn-ea"/>
-                <a:cs typeface="+mn-cs"/>
-              </a:defRPr>
-            </a:lvl3pPr>
-            <a:lvl4pPr marL="1600200" indent="-228600" algn="l" defTabSz="914400" rtl="0" eaLnBrk="1" latinLnBrk="1" hangingPunct="1">
-              <a:spcBef>
-                <a:spcPct val="20000"/>
-              </a:spcBef>
-              <a:buFont typeface="Arial" pitchFamily="34" charset="0"/>
-              <a:buChar char="–"/>
-              <a:defRPr sz="2000" kern="1200">
-                <a:solidFill>
-                  <a:schemeClr val="tx1"/>
-                </a:solidFill>
-                <a:latin typeface="+mn-lt"/>
-                <a:ea typeface="+mn-ea"/>
-                <a:cs typeface="+mn-cs"/>
-              </a:defRPr>
-            </a:lvl4pPr>
-            <a:lvl5pPr marL="2057400" indent="-228600" algn="l" defTabSz="914400" rtl="0" eaLnBrk="1" latinLnBrk="1" hangingPunct="1">
-              <a:spcBef>
-                <a:spcPct val="20000"/>
-              </a:spcBef>
-              <a:buFont typeface="Arial" pitchFamily="34" charset="0"/>
-              <a:buChar char="»"/>
-              <a:defRPr sz="2000" kern="1200">
-                <a:solidFill>
-                  <a:schemeClr val="tx1"/>
-                </a:solidFill>
-                <a:latin typeface="+mn-lt"/>
-                <a:ea typeface="+mn-ea"/>
-                <a:cs typeface="+mn-cs"/>
-              </a:defRPr>
-            </a:lvl5pPr>
-            <a:lvl6pPr marL="2514600" indent="-228600" algn="l" defTabSz="914400" rtl="0" eaLnBrk="1" latinLnBrk="1" hangingPunct="1">
-              <a:spcBef>
-                <a:spcPct val="20000"/>
-              </a:spcBef>
-              <a:buFont typeface="Arial" pitchFamily="34" charset="0"/>
-              <a:buChar char="•"/>
-              <a:defRPr sz="2000" kern="1200">
-                <a:solidFill>
-                  <a:schemeClr val="tx1"/>
-                </a:solidFill>
-                <a:latin typeface="+mn-lt"/>
-                <a:ea typeface="+mn-ea"/>
-                <a:cs typeface="+mn-cs"/>
-              </a:defRPr>
-            </a:lvl6pPr>
-            <a:lvl7pPr marL="2971800" indent="-228600" algn="l" defTabSz="914400" rtl="0" eaLnBrk="1" latinLnBrk="1" hangingPunct="1">
-              <a:spcBef>
-                <a:spcPct val="20000"/>
-              </a:spcBef>
-              <a:buFont typeface="Arial" pitchFamily="34" charset="0"/>
-              <a:buChar char="•"/>
-              <a:defRPr sz="2000" kern="1200">
-                <a:solidFill>
-                  <a:schemeClr val="tx1"/>
-                </a:solidFill>
-                <a:latin typeface="+mn-lt"/>
-                <a:ea typeface="+mn-ea"/>
-                <a:cs typeface="+mn-cs"/>
-              </a:defRPr>
-            </a:lvl7pPr>
-            <a:lvl8pPr marL="3429000" indent="-228600" algn="l" defTabSz="914400" rtl="0" eaLnBrk="1" latinLnBrk="1" hangingPunct="1">
-              <a:spcBef>
-                <a:spcPct val="20000"/>
-              </a:spcBef>
-              <a:buFont typeface="Arial" pitchFamily="34" charset="0"/>
-              <a:buChar char="•"/>
-              <a:defRPr sz="2000" kern="1200">
-                <a:solidFill>
-                  <a:schemeClr val="tx1"/>
-                </a:solidFill>
-                <a:latin typeface="+mn-lt"/>
-                <a:ea typeface="+mn-ea"/>
-                <a:cs typeface="+mn-cs"/>
-              </a:defRPr>
-            </a:lvl8pPr>
-            <a:lvl9pPr marL="3886200" indent="-228600" algn="l" defTabSz="914400" rtl="0" eaLnBrk="1" latinLnBrk="1" hangingPunct="1">
-              <a:spcBef>
-                <a:spcPct val="20000"/>
-              </a:spcBef>
-              <a:buFont typeface="Arial" pitchFamily="34" charset="0"/>
-              <a:buChar char="•"/>
-              <a:defRPr sz="2000" kern="1200">
-                <a:solidFill>
-                  <a:schemeClr val="tx1"/>
-                </a:solidFill>
-                <a:latin typeface="+mn-lt"/>
-                <a:ea typeface="+mn-ea"/>
-                <a:cs typeface="+mn-cs"/>
-              </a:defRPr>
-            </a:lvl9pPr>
-          </a:lstStyle>
-          <a:p>
-            <a:r>
-              <a:rPr lang="ko-KR" altLang="en-US" dirty="0" err="1" smtClean="0"/>
-              <a:t>선택자</a:t>
-            </a:r>
-            <a:r>
-              <a:rPr lang="ko-KR" altLang="en-US" dirty="0" smtClean="0"/>
-              <a:t>  </a:t>
-            </a:r>
-            <a:r>
-              <a:rPr lang="en-US" altLang="ko-KR" dirty="0" smtClean="0"/>
-              <a:t>{ </a:t>
-            </a:r>
-            <a:r>
-              <a:rPr lang="ko-KR" altLang="en-US" dirty="0" smtClean="0"/>
-              <a:t>속성 </a:t>
-            </a:r>
-            <a:r>
-              <a:rPr lang="en-US" altLang="ko-KR" dirty="0" smtClean="0"/>
-              <a:t>:</a:t>
-            </a:r>
-            <a:r>
-              <a:rPr lang="ko-KR" altLang="en-US" dirty="0" smtClean="0"/>
-              <a:t> 값 </a:t>
-            </a:r>
-            <a:r>
-              <a:rPr lang="en-US" altLang="ko-KR" dirty="0" smtClean="0"/>
-              <a:t>}</a:t>
-            </a:r>
-          </a:p>
-          <a:p>
-            <a:endParaRPr lang="en-US" altLang="ko-KR" dirty="0" smtClean="0"/>
-          </a:p>
-          <a:p>
+          <a:lstStyle/>
+          <a:p>
+            <a:r>
+              <a:rPr lang="en-US" altLang="ko-KR" dirty="0" smtClean="0"/>
+              <a:t>position </a:t>
+            </a:r>
+            <a:r>
+              <a:rPr lang="ko-KR" altLang="en-US" dirty="0" smtClean="0"/>
+              <a:t>속성</a:t>
+            </a:r>
+            <a:endParaRPr lang="en-US" altLang="ko-KR" dirty="0" smtClean="0"/>
+          </a:p>
+          <a:p>
+            <a:pPr lvl="1"/>
+            <a:r>
+              <a:rPr lang="en-US" altLang="ko-KR" dirty="0" smtClean="0"/>
+              <a:t>static(</a:t>
+            </a:r>
+            <a:r>
+              <a:rPr lang="ko-KR" altLang="en-US" dirty="0" smtClean="0"/>
+              <a:t>기본</a:t>
+            </a:r>
+            <a:r>
+              <a:rPr lang="en-US" altLang="ko-KR" dirty="0" smtClean="0"/>
+              <a:t>): </a:t>
+            </a:r>
+            <a:r>
+              <a:rPr lang="ko-KR" altLang="en-US" dirty="0" smtClean="0"/>
+              <a:t>일반적인 문서 흐름에 따라 배치</a:t>
+            </a:r>
+            <a:endParaRPr lang="en-US" altLang="ko-KR" dirty="0" smtClean="0"/>
+          </a:p>
+          <a:p>
+            <a:pPr lvl="1"/>
+            <a:r>
+              <a:rPr lang="en-US" altLang="ko-KR" dirty="0" smtClean="0"/>
+              <a:t>relative: </a:t>
+            </a:r>
+            <a:r>
+              <a:rPr lang="ko-KR" altLang="en-US" dirty="0" smtClean="0"/>
+              <a:t>기준 위치를</a:t>
+            </a:r>
+            <a:r>
+              <a:rPr lang="ko-KR" altLang="en-US" dirty="0" smtClean="0"/>
+              <a:t> 선택한 요소로 변경</a:t>
+            </a:r>
+            <a:endParaRPr lang="en-US" altLang="ko-KR" dirty="0" smtClean="0"/>
+          </a:p>
+          <a:p>
+            <a:pPr lvl="1"/>
+            <a:r>
+              <a:rPr lang="en-US" altLang="ko-KR" dirty="0" smtClean="0"/>
+              <a:t>absolute: </a:t>
+            </a:r>
+            <a:r>
+              <a:rPr lang="ko-KR" altLang="en-US" dirty="0" smtClean="0"/>
+              <a:t>문서</a:t>
+            </a:r>
+            <a:r>
+              <a:rPr lang="en-US" altLang="ko-KR" dirty="0" smtClean="0"/>
+              <a:t>(static)</a:t>
+            </a:r>
+            <a:r>
+              <a:rPr lang="ko-KR" altLang="en-US" dirty="0" smtClean="0"/>
+              <a:t> 또는 부모</a:t>
+            </a:r>
+            <a:r>
+              <a:rPr lang="en-US" altLang="ko-KR" dirty="0" smtClean="0"/>
+              <a:t>(relative) </a:t>
+            </a:r>
+            <a:r>
+              <a:rPr lang="ko-KR" altLang="en-US" dirty="0" smtClean="0"/>
+              <a:t>기준 </a:t>
+            </a:r>
+            <a:r>
+              <a:rPr lang="ko-KR" altLang="en-US" dirty="0" smtClean="0"/>
+              <a:t>절대 </a:t>
+            </a:r>
+            <a:r>
+              <a:rPr lang="ko-KR" altLang="en-US" dirty="0" smtClean="0"/>
+              <a:t>위치 좌표를 설정</a:t>
+            </a:r>
+            <a:endParaRPr lang="en-US" altLang="ko-KR" dirty="0" smtClean="0"/>
+          </a:p>
+          <a:p>
+            <a:pPr lvl="1"/>
+            <a:r>
+              <a:rPr lang="en-US" altLang="ko-KR" dirty="0" smtClean="0"/>
+              <a:t>fixed: </a:t>
+            </a:r>
+            <a:r>
+              <a:rPr lang="ko-KR" altLang="en-US" dirty="0" smtClean="0"/>
+              <a:t>화면을 기준으로 절대 위치 좌표를 설정</a:t>
+            </a:r>
+            <a:endParaRPr lang="en-US" altLang="ko-KR" dirty="0" smtClean="0"/>
+          </a:p>
+          <a:p>
+            <a:pPr lvl="1"/>
             <a:r>
               <a:rPr lang="ko-KR" altLang="en-US" dirty="0" smtClean="0"/>
               <a:t>예제 </a:t>
             </a:r>
             <a:r>
               <a:rPr lang="en-US" altLang="ko-KR" dirty="0" smtClean="0"/>
-              <a:t>3-</a:t>
+              <a:t>4-</a:t>
             </a:r>
             <a:r>
               <a:rPr lang="en-US" altLang="ko-KR" dirty="0" err="1" smtClean="0"/>
               <a:t>1.html</a:t>
             </a:r>
-            <a:endParaRPr lang="en-US" altLang="ko-KR" dirty="0" smtClean="0"/>
-          </a:p>
-          <a:p>
-            <a:pPr lvl="1"/>
-            <a:r>
-              <a:rPr lang="en-US" altLang="ko-KR" dirty="0" smtClean="0"/>
-              <a:t>color: </a:t>
-            </a:r>
-            <a:r>
-              <a:rPr lang="ko-KR" altLang="en-US" dirty="0" err="1" smtClean="0"/>
-              <a:t>글자색</a:t>
-            </a:r>
-            <a:endParaRPr lang="ko-KR" altLang="en-US" dirty="0"/>
+            <a:r>
+              <a:rPr lang="en-US" altLang="ko-KR" dirty="0" smtClean="0"/>
+              <a:t>: absolute</a:t>
+            </a:r>
+          </a:p>
+          <a:p>
+            <a:pPr lvl="1"/>
+            <a:r>
+              <a:rPr lang="ko-KR" altLang="en-US" dirty="0" smtClean="0"/>
+              <a:t>예제 </a:t>
+            </a:r>
+            <a:r>
+              <a:rPr lang="en-US" altLang="ko-KR" dirty="0" smtClean="0"/>
+              <a:t>4-</a:t>
+            </a:r>
+            <a:r>
+              <a:rPr lang="en-US" altLang="ko-KR" dirty="0" err="1" smtClean="0"/>
+              <a:t>2.html</a:t>
+            </a:r>
+            <a:r>
+              <a:rPr lang="en-US" altLang="ko-KR" dirty="0" smtClean="0"/>
+              <a:t>: fixed</a:t>
+            </a:r>
+          </a:p>
+          <a:p>
+            <a:pPr lvl="1"/>
+            <a:r>
+              <a:rPr lang="ko-KR" altLang="en-US" dirty="0" smtClean="0"/>
+              <a:t>예제 </a:t>
+            </a:r>
+            <a:r>
+              <a:rPr lang="en-US" altLang="ko-KR" dirty="0" smtClean="0"/>
+              <a:t>4-</a:t>
+            </a:r>
+            <a:r>
+              <a:rPr lang="en-US" altLang="ko-KR" dirty="0" err="1" smtClean="0"/>
+              <a:t>3.html</a:t>
+            </a:r>
+            <a:r>
+              <a:rPr lang="en-US" altLang="ko-KR" dirty="0" smtClean="0"/>
+              <a:t>: relative</a:t>
+            </a:r>
+          </a:p>
+          <a:p>
+            <a:pPr lvl="1"/>
+            <a:endParaRPr lang="en-US" altLang="ko-KR" dirty="0" smtClean="0"/>
+          </a:p>
+          <a:p>
+            <a:r>
+              <a:rPr lang="ko-KR" altLang="en-US" dirty="0"/>
+              <a:t>위치 속성과 관련된 공식</a:t>
+            </a:r>
+            <a:endParaRPr lang="en-US" altLang="ko-KR" dirty="0"/>
+          </a:p>
+          <a:p>
+            <a:pPr lvl="1"/>
+            <a:r>
+              <a:rPr lang="ko-KR" altLang="en-US" dirty="0"/>
+              <a:t>자손의 </a:t>
+            </a:r>
+            <a:r>
+              <a:rPr lang="en-US" altLang="ko-KR" dirty="0"/>
+              <a:t>position </a:t>
+            </a:r>
+            <a:r>
+              <a:rPr lang="ko-KR" altLang="en-US" dirty="0"/>
+              <a:t>속성에 </a:t>
+            </a:r>
+            <a:r>
+              <a:rPr lang="en-US" altLang="ko-KR" dirty="0"/>
+              <a:t>absolute </a:t>
+            </a:r>
+            <a:r>
+              <a:rPr lang="ko-KR" altLang="en-US" dirty="0"/>
+              <a:t>키워드를 적용하면 부모는 </a:t>
+            </a:r>
+            <a:r>
+              <a:rPr lang="en-US" altLang="ko-KR" dirty="0"/>
+              <a:t>height </a:t>
+            </a:r>
+            <a:r>
+              <a:rPr lang="ko-KR" altLang="en-US" dirty="0"/>
+              <a:t>속성을 사용 </a:t>
+            </a:r>
+            <a:endParaRPr lang="en-US" altLang="ko-KR" dirty="0"/>
+          </a:p>
+          <a:p>
+            <a:pPr lvl="2">
+              <a:buNone/>
+            </a:pPr>
+            <a:r>
+              <a:rPr lang="en-US" altLang="ko-KR" dirty="0"/>
+              <a:t>-&gt; </a:t>
+            </a:r>
+            <a:r>
+              <a:rPr lang="ko-KR" altLang="en-US" dirty="0" err="1"/>
+              <a:t>공간영역을</a:t>
+            </a:r>
+            <a:r>
+              <a:rPr lang="ko-KR" altLang="en-US" dirty="0"/>
+              <a:t> 차지하도록 함</a:t>
+            </a:r>
+            <a:endParaRPr lang="en-US" altLang="ko-KR" dirty="0"/>
+          </a:p>
+          <a:p>
+            <a:pPr lvl="1"/>
+            <a:r>
+              <a:rPr lang="ko-KR" altLang="en-US" dirty="0"/>
+              <a:t>자손의 </a:t>
+            </a:r>
+            <a:r>
+              <a:rPr lang="en-US" altLang="ko-KR" dirty="0"/>
+              <a:t>position </a:t>
+            </a:r>
+            <a:r>
+              <a:rPr lang="ko-KR" altLang="en-US" dirty="0"/>
+              <a:t>속성에 </a:t>
+            </a:r>
+            <a:r>
+              <a:rPr lang="en-US" altLang="ko-KR" dirty="0"/>
+              <a:t>absolute </a:t>
+            </a:r>
+            <a:r>
+              <a:rPr lang="ko-KR" altLang="en-US" dirty="0"/>
+              <a:t>키워드를 적용하면 부모의 </a:t>
+            </a:r>
+            <a:r>
+              <a:rPr lang="en-US" altLang="ko-KR" dirty="0"/>
+              <a:t>position </a:t>
+            </a:r>
+            <a:r>
+              <a:rPr lang="ko-KR" altLang="en-US" dirty="0"/>
+              <a:t>속성에 </a:t>
+            </a:r>
+            <a:r>
+              <a:rPr lang="en-US" altLang="ko-KR" dirty="0"/>
+              <a:t>relative </a:t>
+            </a:r>
+            <a:r>
+              <a:rPr lang="ko-KR" altLang="en-US" dirty="0"/>
+              <a:t>키워드를 적용</a:t>
+            </a:r>
+            <a:endParaRPr lang="en-US" altLang="ko-KR" dirty="0"/>
+          </a:p>
+          <a:p>
+            <a:pPr lvl="2">
+              <a:buNone/>
+            </a:pPr>
+            <a:r>
+              <a:rPr lang="en-US" altLang="ko-KR" dirty="0"/>
+              <a:t>-&gt; </a:t>
+            </a:r>
+            <a:r>
+              <a:rPr lang="ko-KR" altLang="en-US" dirty="0"/>
+              <a:t>기준점을 </a:t>
+            </a:r>
+            <a:r>
+              <a:rPr lang="ko-KR" altLang="en-US" dirty="0" smtClean="0"/>
+              <a:t>변경</a:t>
+            </a:r>
+            <a:endParaRPr lang="en-US" altLang="ko-KR" dirty="0"/>
           </a:p>
         </p:txBody>
       </p:sp>
     </p:spTree>
     <p:extLst>
       <p:ext uri="{BB962C8B-B14F-4D97-AF65-F5344CB8AC3E}">
-        <p14:creationId xmlns:p14="http://schemas.microsoft.com/office/powerpoint/2010/main" val="824620415"/>
+        <p14:creationId xmlns:p14="http://schemas.microsoft.com/office/powerpoint/2010/main" val="2629943659"/>
       </p:ext>
     </p:extLst>
   </p:cSld>
@@ -4005,8 +6003,16 @@
           <a:lstStyle/>
           <a:p>
             <a:r>
-              <a:rPr lang="ko-KR" altLang="en-US" dirty="0" smtClean="0"/>
-              <a:t>참고자료</a:t>
+              <a:rPr lang="en-US" altLang="ko-KR" dirty="0" smtClean="0"/>
+              <a:t>1.</a:t>
+            </a:r>
+            <a:r>
+              <a:rPr lang="en-US" altLang="ko-KR" dirty="0" smtClean="0"/>
+              <a:t> </a:t>
+            </a:r>
+            <a:r>
+              <a:rPr lang="ko-KR" altLang="en-US" dirty="0" smtClean="0"/>
+              <a:t>위치 속성</a:t>
             </a:r>
             <a:endParaRPr lang="ko-KR" altLang="en-US" dirty="0"/>
           </a:p>
@@ -4014,7 +6020,7 @@
       </p:sp>
       <p:sp>
         <p:nvSpPr>
-          <p:cNvPr id="3" name="내용 개체 틀 2"/>
+          <p:cNvPr id="28" name="내용 개체 틀 2"/>
           <p:cNvSpPr>
             <a:spLocks noGrp="1"/>
           </p:cNvSpPr>
@@ -4022,127 +6028,1202 @@
             <p:ph idx="1"/>
           </p:nvPr>
         </p:nvSpPr>
-        <p:spPr/>
-        <p:txBody>
-          <a:bodyPr/>
-          <a:lstStyle/>
-          <a:p>
-            <a:r>
-              <a:rPr lang="ko-KR" altLang="en-US" dirty="0">
-                <a:hlinkClick r:id="rId2"/>
-              </a:rPr>
-              <a:t>모던 웹을 위한 </a:t>
-            </a:r>
-            <a:r>
-              <a:rPr lang="en-US" altLang="ko-KR" dirty="0" err="1">
-                <a:hlinkClick r:id="rId2"/>
-              </a:rPr>
-              <a:t>HTML5+CSS3</a:t>
-            </a:r>
-            <a:r>
-              <a:rPr lang="en-US" altLang="ko-KR" dirty="0">
-                <a:hlinkClick r:id="rId2"/>
-              </a:rPr>
-              <a:t> </a:t>
-            </a:r>
-            <a:r>
-              <a:rPr lang="ko-KR" altLang="en-US" dirty="0">
-                <a:hlinkClick r:id="rId2"/>
-              </a:rPr>
-              <a:t>바이블</a:t>
-            </a:r>
-            <a:r>
-              <a:rPr lang="en-US" altLang="ko-KR" dirty="0">
-                <a:hlinkClick r:id="rId2"/>
-              </a:rPr>
-              <a:t>(3</a:t>
-            </a:r>
-            <a:r>
-              <a:rPr lang="ko-KR" altLang="en-US" dirty="0">
-                <a:hlinkClick r:id="rId2"/>
-              </a:rPr>
-              <a:t>판</a:t>
-            </a:r>
-            <a:r>
-              <a:rPr lang="en-US" altLang="ko-KR" dirty="0">
-                <a:hlinkClick r:id="rId2"/>
-              </a:rPr>
-              <a:t>)</a:t>
-            </a:r>
-            <a:r>
-              <a:rPr lang="ko-KR" altLang="en-US" dirty="0" err="1">
-                <a:hlinkClick r:id="rId2"/>
-              </a:rPr>
-              <a:t>윤인성</a:t>
-            </a:r>
-            <a:r>
-              <a:rPr lang="ko-KR" altLang="en-US" dirty="0">
-                <a:hlinkClick r:id="rId2"/>
-              </a:rPr>
-              <a:t> </a:t>
-            </a:r>
-            <a:r>
-              <a:rPr lang="en-US" altLang="ko-KR" dirty="0">
-                <a:hlinkClick r:id="rId2"/>
-              </a:rPr>
-              <a:t>| </a:t>
-            </a:r>
-            <a:r>
-              <a:rPr lang="ko-KR" altLang="en-US" dirty="0" err="1">
-                <a:hlinkClick r:id="rId2"/>
-              </a:rPr>
-              <a:t>한빛미디어</a:t>
-            </a:r>
-            <a:r>
-              <a:rPr lang="ko-KR" altLang="en-US" dirty="0">
-                <a:hlinkClick r:id="rId2"/>
-              </a:rPr>
-              <a:t> </a:t>
-            </a:r>
-          </a:p>
-          <a:p>
-            <a:r>
-              <a:rPr lang="en-US" altLang="ko-KR" b="1" dirty="0" err="1" smtClean="0"/>
-              <a:t>HTML5</a:t>
-            </a:r>
-            <a:r>
-              <a:rPr lang="en-US" altLang="ko-KR" b="1" dirty="0" smtClean="0"/>
-              <a:t> and </a:t>
-            </a:r>
-            <a:r>
-              <a:rPr lang="en-US" altLang="ko-KR" b="1" dirty="0" err="1" smtClean="0"/>
-              <a:t>CSS</a:t>
-            </a:r>
-            <a:r>
-              <a:rPr lang="en-US" altLang="ko-KR" b="1" dirty="0" smtClean="0"/>
-              <a:t> Fundamentals, </a:t>
-            </a:r>
-            <a:r>
-              <a:rPr lang="en-US" altLang="ko-KR" b="1" dirty="0" err="1" smtClean="0"/>
-              <a:t>edX</a:t>
-            </a:r>
-            <a:r>
-              <a:rPr lang="en-US" altLang="ko-KR" b="1" dirty="0" smtClean="0"/>
-              <a:t>(</a:t>
-            </a:r>
-            <a:r>
-              <a:rPr lang="en-US" altLang="ko-KR" b="1" dirty="0" err="1" smtClean="0"/>
-              <a:t>W3Cx</a:t>
-            </a:r>
-            <a:r>
-              <a:rPr lang="en-US" altLang="ko-KR" b="1" dirty="0" smtClean="0"/>
-              <a:t>)</a:t>
-            </a:r>
-          </a:p>
-          <a:p>
-            <a:endParaRPr lang="ko-KR" altLang="en-US" dirty="0"/>
+        <p:spPr>
+          <a:xfrm>
+            <a:off x="457200" y="1600200"/>
+            <a:ext cx="8229600" cy="4525963"/>
+          </a:xfrm>
+        </p:spPr>
+        <p:txBody>
+          <a:bodyPr>
+            <a:normAutofit/>
+          </a:bodyPr>
+          <a:lstStyle/>
+          <a:p>
+            <a:pPr lvl="1"/>
+            <a:endParaRPr lang="en-US" altLang="ko-KR" dirty="0"/>
+          </a:p>
+          <a:p>
+            <a:r>
+              <a:rPr lang="en-US" altLang="ko-KR" dirty="0"/>
+              <a:t>z-index </a:t>
+            </a:r>
+            <a:r>
+              <a:rPr lang="ko-KR" altLang="en-US" dirty="0"/>
+              <a:t>속성</a:t>
+            </a:r>
+            <a:endParaRPr lang="en-US" altLang="ko-KR" dirty="0"/>
+          </a:p>
+          <a:p>
+            <a:pPr lvl="1"/>
+            <a:r>
+              <a:rPr lang="ko-KR" altLang="en-US" dirty="0"/>
+              <a:t>요소의 </a:t>
+            </a:r>
+            <a:r>
+              <a:rPr lang="en-US" altLang="ko-KR" dirty="0"/>
+              <a:t>z</a:t>
+            </a:r>
+            <a:r>
+              <a:rPr lang="ko-KR" altLang="en-US" dirty="0"/>
+              <a:t>축 값을 변경</a:t>
+            </a:r>
+            <a:r>
+              <a:rPr lang="en-US" altLang="ko-KR" dirty="0"/>
+              <a:t>, </a:t>
+            </a:r>
+            <a:r>
+              <a:rPr lang="ko-KR" altLang="en-US" dirty="0"/>
+              <a:t>가장 위에 있어야하는 경우는 큰 값을 입력 </a:t>
+            </a:r>
+            <a:r>
+              <a:rPr lang="en-US" altLang="ko-KR" dirty="0"/>
+              <a:t>9999</a:t>
+            </a:r>
+          </a:p>
+          <a:p>
+            <a:pPr lvl="1"/>
+            <a:r>
+              <a:rPr lang="ko-KR" altLang="en-US" dirty="0"/>
+              <a:t>예제 </a:t>
+            </a:r>
+            <a:r>
+              <a:rPr lang="en-US" altLang="ko-KR" dirty="0" smtClean="0"/>
+              <a:t>4-</a:t>
+            </a:r>
+            <a:r>
+              <a:rPr lang="en-US" altLang="ko-KR" dirty="0" err="1" smtClean="0"/>
+              <a:t>4.html</a:t>
+            </a:r>
+            <a:endParaRPr lang="en-US" altLang="ko-KR" dirty="0"/>
           </a:p>
         </p:txBody>
       </p:sp>
     </p:spTree>
     <p:extLst>
       <p:ext uri="{BB962C8B-B14F-4D97-AF65-F5344CB8AC3E}">
-        <p14:creationId xmlns:p14="http://schemas.microsoft.com/office/powerpoint/2010/main" val="217639925"/>
+        <p14:creationId xmlns:p14="http://schemas.microsoft.com/office/powerpoint/2010/main" val="1480503368"/>
+      </p:ext>
+    </p:extLst>
+  </p:cSld>
+  <p:clrMapOvr>
+    <a:masterClrMapping/>
+  </p:clrMapOvr>
+</p:sld>
+</file>
+
+<file path=ppt/slides/slide5.xml><?xml version="1.0" encoding="utf-8"?>
+<p:sld xmlns:a="http://schemas.openxmlformats.org/drawingml/2006/main" xmlns:r="http://schemas.openxmlformats.org/officeDocument/2006/relationships" xmlns:p="http://schemas.openxmlformats.org/presentationml/2006/main">
+  <p:cSld>
+    <p:spTree>
+      <p:nvGrpSpPr>
+        <p:cNvPr id="1" name=""/>
+        <p:cNvGrpSpPr/>
+        <p:nvPr/>
+      </p:nvGrpSpPr>
+      <p:grpSpPr>
+        <a:xfrm>
+          <a:off x="0" y="0"/>
+          <a:ext cx="0" cy="0"/>
+          <a:chOff x="0" y="0"/>
+          <a:chExt cx="0" cy="0"/>
+        </a:xfrm>
+      </p:grpSpPr>
+      <p:sp>
+        <p:nvSpPr>
+          <p:cNvPr id="2" name="제목 1"/>
+          <p:cNvSpPr>
+            <a:spLocks noGrp="1"/>
+          </p:cNvSpPr>
+          <p:nvPr>
+            <p:ph type="title"/>
+          </p:nvPr>
+        </p:nvSpPr>
+        <p:spPr/>
+        <p:txBody>
+          <a:bodyPr/>
+          <a:lstStyle/>
+          <a:p>
+            <a:r>
+              <a:rPr lang="en-US" altLang="ko-KR" dirty="0" smtClean="0"/>
+              <a:t>1.</a:t>
+            </a:r>
+            <a:r>
+              <a:rPr lang="en-US" altLang="ko-KR" dirty="0" smtClean="0"/>
+              <a:t> </a:t>
+            </a:r>
+            <a:r>
+              <a:rPr lang="ko-KR" altLang="en-US" dirty="0" smtClean="0"/>
+              <a:t>위치 속성</a:t>
+            </a:r>
+            <a:endParaRPr lang="ko-KR" altLang="en-US" dirty="0"/>
+          </a:p>
+        </p:txBody>
+      </p:sp>
+      <p:sp>
+        <p:nvSpPr>
+          <p:cNvPr id="28" name="내용 개체 틀 2"/>
+          <p:cNvSpPr>
+            <a:spLocks noGrp="1"/>
+          </p:cNvSpPr>
+          <p:nvPr>
+            <p:ph idx="1"/>
+          </p:nvPr>
+        </p:nvSpPr>
+        <p:spPr>
+          <a:xfrm>
+            <a:off x="457200" y="1600200"/>
+            <a:ext cx="8229600" cy="4525963"/>
+          </a:xfrm>
+        </p:spPr>
+        <p:txBody>
+          <a:bodyPr>
+            <a:normAutofit/>
+          </a:bodyPr>
+          <a:lstStyle/>
+          <a:p>
+            <a:r>
+              <a:rPr lang="en-US" altLang="ko-KR" dirty="0" smtClean="0"/>
+              <a:t>overflow </a:t>
+            </a:r>
+            <a:r>
+              <a:rPr lang="ko-KR" altLang="en-US" dirty="0" smtClean="0"/>
+              <a:t>속성</a:t>
+            </a:r>
+            <a:endParaRPr lang="en-US" altLang="ko-KR" dirty="0" smtClean="0"/>
+          </a:p>
+          <a:p>
+            <a:pPr lvl="1"/>
+            <a:r>
+              <a:rPr lang="ko-KR" altLang="en-US" dirty="0" smtClean="0"/>
+              <a:t>내부의 요소가 부모의 범위를 벗어날 때 어떻게 처리할지 지정</a:t>
+            </a:r>
+            <a:endParaRPr lang="en-US" altLang="ko-KR" dirty="0" smtClean="0"/>
+          </a:p>
+          <a:p>
+            <a:pPr lvl="1"/>
+            <a:r>
+              <a:rPr lang="en-US" altLang="ko-KR" dirty="0" smtClean="0"/>
+              <a:t>hidden: </a:t>
+            </a:r>
+            <a:r>
+              <a:rPr lang="ko-KR" altLang="en-US" dirty="0" smtClean="0"/>
+              <a:t>영역을 벗어나는 부분을 안 보이게</a:t>
+            </a:r>
+            <a:endParaRPr lang="en-US" altLang="ko-KR" dirty="0" smtClean="0"/>
+          </a:p>
+          <a:p>
+            <a:pPr lvl="1"/>
+            <a:r>
+              <a:rPr lang="en-US" altLang="ko-KR" dirty="0" smtClean="0"/>
+              <a:t>scroll: </a:t>
+            </a:r>
+            <a:r>
+              <a:rPr lang="ko-KR" altLang="en-US" dirty="0" smtClean="0"/>
+              <a:t>영역을 벗어나는 부분을 스크롤로 만듦</a:t>
+            </a:r>
+            <a:endParaRPr lang="en-US" altLang="ko-KR" dirty="0" smtClean="0"/>
+          </a:p>
+          <a:p>
+            <a:pPr lvl="1"/>
+            <a:r>
+              <a:rPr lang="ko-KR" altLang="en-US" dirty="0" smtClean="0"/>
+              <a:t>예제  </a:t>
+            </a:r>
+            <a:r>
+              <a:rPr lang="en-US" altLang="ko-KR" dirty="0" smtClean="0"/>
+              <a:t>4-</a:t>
+            </a:r>
+            <a:r>
+              <a:rPr lang="en-US" altLang="ko-KR" dirty="0" err="1" smtClean="0"/>
+              <a:t>5</a:t>
+            </a:r>
+            <a:r>
+              <a:rPr lang="en-US" altLang="ko-KR" dirty="0" err="1" smtClean="0"/>
+              <a:t>.html</a:t>
+            </a:r>
+            <a:endParaRPr lang="en-US" altLang="ko-KR" dirty="0" smtClean="0"/>
+          </a:p>
+        </p:txBody>
+      </p:sp>
+    </p:spTree>
+    <p:extLst>
+      <p:ext uri="{BB962C8B-B14F-4D97-AF65-F5344CB8AC3E}">
+        <p14:creationId xmlns:p14="http://schemas.microsoft.com/office/powerpoint/2010/main" val="1442090645"/>
+      </p:ext>
+    </p:extLst>
+  </p:cSld>
+  <p:clrMapOvr>
+    <a:masterClrMapping/>
+  </p:clrMapOvr>
+</p:sld>
+</file>
+
+<file path=ppt/slides/slide6.xml><?xml version="1.0" encoding="utf-8"?>
+<p:sld xmlns:a="http://schemas.openxmlformats.org/drawingml/2006/main" xmlns:r="http://schemas.openxmlformats.org/officeDocument/2006/relationships" xmlns:p="http://schemas.openxmlformats.org/presentationml/2006/main">
+  <p:cSld>
+    <p:spTree>
+      <p:nvGrpSpPr>
+        <p:cNvPr id="1" name=""/>
+        <p:cNvGrpSpPr/>
+        <p:nvPr/>
+      </p:nvGrpSpPr>
+      <p:grpSpPr>
+        <a:xfrm>
+          <a:off x="0" y="0"/>
+          <a:ext cx="0" cy="0"/>
+          <a:chOff x="0" y="0"/>
+          <a:chExt cx="0" cy="0"/>
+        </a:xfrm>
+      </p:grpSpPr>
+      <p:sp>
+        <p:nvSpPr>
+          <p:cNvPr id="2" name="제목 1"/>
+          <p:cNvSpPr>
+            <a:spLocks noGrp="1"/>
+          </p:cNvSpPr>
+          <p:nvPr>
+            <p:ph type="title"/>
+          </p:nvPr>
+        </p:nvSpPr>
+        <p:spPr/>
+        <p:txBody>
+          <a:bodyPr/>
+          <a:lstStyle/>
+          <a:p>
+            <a:r>
+              <a:rPr lang="en-US" altLang="ko-KR" dirty="0" smtClean="0"/>
+              <a:t>2.</a:t>
+            </a:r>
+            <a:r>
+              <a:rPr lang="en-US" altLang="ko-KR" dirty="0" smtClean="0"/>
+              <a:t> </a:t>
+            </a:r>
+            <a:r>
+              <a:rPr lang="en-US" altLang="ko-KR" dirty="0" smtClean="0"/>
+              <a:t>float </a:t>
+            </a:r>
+            <a:r>
+              <a:rPr lang="ko-KR" altLang="en-US" dirty="0" smtClean="0"/>
+              <a:t>속성</a:t>
+            </a:r>
+            <a:endParaRPr lang="ko-KR" altLang="en-US" dirty="0"/>
+          </a:p>
+        </p:txBody>
+      </p:sp>
+      <p:sp>
+        <p:nvSpPr>
+          <p:cNvPr id="28" name="내용 개체 틀 2"/>
+          <p:cNvSpPr>
+            <a:spLocks noGrp="1"/>
+          </p:cNvSpPr>
+          <p:nvPr>
+            <p:ph idx="1"/>
+          </p:nvPr>
+        </p:nvSpPr>
+        <p:spPr>
+          <a:xfrm>
+            <a:off x="457200" y="1600200"/>
+            <a:ext cx="8229600" cy="4525963"/>
+          </a:xfrm>
+        </p:spPr>
+        <p:txBody>
+          <a:bodyPr>
+            <a:normAutofit/>
+          </a:bodyPr>
+          <a:lstStyle/>
+          <a:p>
+            <a:r>
+              <a:rPr lang="en-US" altLang="ko-KR" dirty="0" smtClean="0"/>
+              <a:t>float </a:t>
+            </a:r>
+            <a:r>
+              <a:rPr lang="ko-KR" altLang="en-US" dirty="0" smtClean="0"/>
+              <a:t>속성</a:t>
+            </a:r>
+            <a:endParaRPr lang="en-US" altLang="ko-KR" dirty="0" smtClean="0"/>
+          </a:p>
+          <a:p>
+            <a:pPr lvl="1"/>
+            <a:r>
+              <a:rPr lang="en-US" altLang="ko-KR" dirty="0" smtClean="0"/>
+              <a:t>left: </a:t>
+            </a:r>
+            <a:r>
+              <a:rPr lang="ko-KR" altLang="en-US" dirty="0" smtClean="0"/>
+              <a:t>왼쪽에 붙임</a:t>
+            </a:r>
+            <a:r>
+              <a:rPr lang="en-US" altLang="ko-KR" dirty="0" smtClean="0"/>
+              <a:t>, right: </a:t>
+            </a:r>
+            <a:r>
+              <a:rPr lang="ko-KR" altLang="en-US" dirty="0" smtClean="0"/>
+              <a:t>오른쪽에 붙임</a:t>
+            </a:r>
+            <a:endParaRPr lang="en-US" altLang="ko-KR" dirty="0" smtClean="0"/>
+          </a:p>
+          <a:p>
+            <a:pPr lvl="1"/>
+            <a:r>
+              <a:rPr lang="ko-KR" altLang="en-US" dirty="0" smtClean="0"/>
+              <a:t>원래의 </a:t>
+            </a:r>
+            <a:r>
+              <a:rPr lang="en-US" altLang="ko-KR" dirty="0" smtClean="0"/>
+              <a:t>float </a:t>
+            </a:r>
+            <a:r>
+              <a:rPr lang="ko-KR" altLang="en-US" dirty="0" smtClean="0"/>
+              <a:t>속성은 이미지를 글씨 위에 표현하기 위에 만들어짐</a:t>
+            </a:r>
+            <a:r>
+              <a:rPr lang="en-US" altLang="ko-KR" dirty="0" smtClean="0"/>
+              <a:t>. </a:t>
+            </a:r>
+            <a:endParaRPr lang="en-US" altLang="ko-KR" dirty="0" smtClean="0"/>
+          </a:p>
+          <a:p>
+            <a:pPr lvl="1"/>
+            <a:r>
+              <a:rPr lang="ko-KR" altLang="en-US" dirty="0"/>
+              <a:t>예제 </a:t>
+            </a:r>
+            <a:r>
+              <a:rPr lang="en-US" altLang="ko-KR" dirty="0" smtClean="0"/>
+              <a:t>4-</a:t>
+            </a:r>
+            <a:r>
+              <a:rPr lang="en-US" altLang="ko-KR" dirty="0" err="1" smtClean="0"/>
+              <a:t>6.html</a:t>
+            </a:r>
+            <a:endParaRPr lang="en-US" altLang="ko-KR" dirty="0" smtClean="0"/>
+          </a:p>
+          <a:p>
+            <a:pPr lvl="1"/>
+            <a:r>
+              <a:rPr lang="ko-KR" altLang="en-US" dirty="0" smtClean="0"/>
+              <a:t>웹 </a:t>
+            </a:r>
+            <a:r>
+              <a:rPr lang="ko-KR" altLang="en-US" dirty="0" smtClean="0"/>
+              <a:t>페이지의 레이아웃을 만들 때 많이 사용</a:t>
+            </a:r>
+          </a:p>
+          <a:p>
+            <a:pPr lvl="1"/>
+            <a:r>
+              <a:rPr lang="ko-KR" altLang="en-US" dirty="0" smtClean="0"/>
+              <a:t>예제 </a:t>
+            </a:r>
+            <a:r>
+              <a:rPr lang="en-US" altLang="ko-KR" dirty="0" smtClean="0"/>
+              <a:t>4-</a:t>
+            </a:r>
+            <a:r>
+              <a:rPr lang="en-US" altLang="ko-KR" dirty="0" err="1" smtClean="0"/>
+              <a:t>7.html</a:t>
+            </a:r>
+            <a:endParaRPr lang="en-US" altLang="ko-KR" dirty="0" smtClean="0"/>
+          </a:p>
+        </p:txBody>
+      </p:sp>
+    </p:spTree>
+    <p:extLst>
+      <p:ext uri="{BB962C8B-B14F-4D97-AF65-F5344CB8AC3E}">
+        <p14:creationId xmlns:p14="http://schemas.microsoft.com/office/powerpoint/2010/main" val="3602036671"/>
+      </p:ext>
+    </p:extLst>
+  </p:cSld>
+  <p:clrMapOvr>
+    <a:masterClrMapping/>
+  </p:clrMapOvr>
+</p:sld>
+</file>
+
+<file path=ppt/slides/slide7.xml><?xml version="1.0" encoding="utf-8"?>
+<p:sld xmlns:a="http://schemas.openxmlformats.org/drawingml/2006/main" xmlns:r="http://schemas.openxmlformats.org/officeDocument/2006/relationships" xmlns:p="http://schemas.openxmlformats.org/presentationml/2006/main">
+  <p:cSld>
+    <p:spTree>
+      <p:nvGrpSpPr>
+        <p:cNvPr id="1" name=""/>
+        <p:cNvGrpSpPr/>
+        <p:nvPr/>
+      </p:nvGrpSpPr>
+      <p:grpSpPr>
+        <a:xfrm>
+          <a:off x="0" y="0"/>
+          <a:ext cx="0" cy="0"/>
+          <a:chOff x="0" y="0"/>
+          <a:chExt cx="0" cy="0"/>
+        </a:xfrm>
+      </p:grpSpPr>
+      <p:sp>
+        <p:nvSpPr>
+          <p:cNvPr id="2" name="제목 1"/>
+          <p:cNvSpPr>
+            <a:spLocks noGrp="1"/>
+          </p:cNvSpPr>
+          <p:nvPr>
+            <p:ph type="title"/>
+          </p:nvPr>
+        </p:nvSpPr>
+        <p:spPr/>
+        <p:txBody>
+          <a:bodyPr/>
+          <a:lstStyle/>
+          <a:p>
+            <a:r>
+              <a:rPr lang="en-US" altLang="ko-KR" dirty="0" smtClean="0"/>
+              <a:t>2.</a:t>
+            </a:r>
+            <a:r>
+              <a:rPr lang="en-US" altLang="ko-KR" dirty="0" smtClean="0"/>
+              <a:t> </a:t>
+            </a:r>
+            <a:r>
+              <a:rPr lang="en-US" altLang="ko-KR" dirty="0" smtClean="0"/>
+              <a:t>float </a:t>
+            </a:r>
+            <a:r>
+              <a:rPr lang="ko-KR" altLang="en-US" dirty="0" smtClean="0"/>
+              <a:t>속성</a:t>
+            </a:r>
+            <a:endParaRPr lang="ko-KR" altLang="en-US" dirty="0"/>
+          </a:p>
+        </p:txBody>
+      </p:sp>
+      <p:sp>
+        <p:nvSpPr>
+          <p:cNvPr id="28" name="내용 개체 틀 2"/>
+          <p:cNvSpPr>
+            <a:spLocks noGrp="1"/>
+          </p:cNvSpPr>
+          <p:nvPr>
+            <p:ph idx="1"/>
+          </p:nvPr>
+        </p:nvSpPr>
+        <p:spPr>
+          <a:xfrm>
+            <a:off x="457200" y="1600200"/>
+            <a:ext cx="8229600" cy="4525963"/>
+          </a:xfrm>
+        </p:spPr>
+        <p:txBody>
+          <a:bodyPr>
+            <a:normAutofit fontScale="77500" lnSpcReduction="20000"/>
+          </a:bodyPr>
+          <a:lstStyle/>
+          <a:p>
+            <a:r>
+              <a:rPr lang="en-US" altLang="ko-KR" dirty="0" smtClean="0"/>
+              <a:t>float </a:t>
+            </a:r>
+            <a:r>
+              <a:rPr lang="ko-KR" altLang="en-US" dirty="0" smtClean="0"/>
+              <a:t>속성을 사용한 레이아웃 구성</a:t>
+            </a:r>
+            <a:endParaRPr lang="en-US" altLang="ko-KR" dirty="0" smtClean="0"/>
+          </a:p>
+          <a:p>
+            <a:pPr lvl="1"/>
+            <a:endParaRPr lang="en-US" altLang="ko-KR" dirty="0" smtClean="0"/>
+          </a:p>
+          <a:p>
+            <a:pPr lvl="1"/>
+            <a:endParaRPr lang="en-US" altLang="ko-KR" dirty="0" smtClean="0"/>
+          </a:p>
+          <a:p>
+            <a:pPr lvl="1"/>
+            <a:endParaRPr lang="en-US" altLang="ko-KR" dirty="0" smtClean="0"/>
+          </a:p>
+          <a:p>
+            <a:pPr lvl="1"/>
+            <a:endParaRPr lang="en-US" altLang="ko-KR" dirty="0" smtClean="0"/>
+          </a:p>
+          <a:p>
+            <a:pPr lvl="1"/>
+            <a:endParaRPr lang="en-US" altLang="ko-KR" dirty="0" smtClean="0"/>
+          </a:p>
+          <a:p>
+            <a:pPr lvl="1">
+              <a:buNone/>
+            </a:pPr>
+            <a:endParaRPr lang="en-US" altLang="ko-KR" dirty="0" smtClean="0"/>
+          </a:p>
+          <a:p>
+            <a:pPr lvl="1">
+              <a:buNone/>
+            </a:pPr>
+            <a:endParaRPr lang="en-US" altLang="ko-KR" dirty="0" smtClean="0"/>
+          </a:p>
+          <a:p>
+            <a:pPr lvl="1">
+              <a:buNone/>
+            </a:pPr>
+            <a:endParaRPr lang="en-US" altLang="ko-KR" dirty="0" smtClean="0"/>
+          </a:p>
+          <a:p>
+            <a:pPr lvl="1"/>
+            <a:endParaRPr lang="en-US" altLang="ko-KR" dirty="0" smtClean="0"/>
+          </a:p>
+          <a:p>
+            <a:pPr lvl="1"/>
+            <a:r>
+              <a:rPr lang="ko-KR" altLang="en-US" dirty="0" smtClean="0"/>
+              <a:t>예제 </a:t>
+            </a:r>
+            <a:r>
+              <a:rPr lang="en-US" altLang="ko-KR" dirty="0" smtClean="0"/>
+              <a:t>4-</a:t>
+            </a:r>
+            <a:r>
+              <a:rPr lang="en-US" altLang="ko-KR" dirty="0" err="1" smtClean="0"/>
+              <a:t>8</a:t>
+            </a:r>
+            <a:r>
+              <a:rPr lang="en-US" altLang="ko-KR" dirty="0" err="1" smtClean="0"/>
+              <a:t>.html</a:t>
+            </a:r>
+            <a:endParaRPr lang="en-US" altLang="ko-KR" dirty="0" smtClean="0"/>
+          </a:p>
+          <a:p>
+            <a:pPr lvl="1"/>
+            <a:r>
+              <a:rPr lang="en-US" altLang="ko-KR" dirty="0" smtClean="0"/>
+              <a:t>float</a:t>
+            </a:r>
+            <a:r>
+              <a:rPr lang="ko-KR" altLang="en-US" dirty="0" smtClean="0"/>
+              <a:t>를 사용하는 다음 태그에 </a:t>
+            </a:r>
+            <a:r>
+              <a:rPr lang="en-US" altLang="ko-KR" dirty="0" smtClean="0"/>
+              <a:t>clear: both</a:t>
+            </a:r>
+            <a:r>
+              <a:rPr lang="ko-KR" altLang="en-US" dirty="0" smtClean="0"/>
+              <a:t>로 </a:t>
+            </a:r>
+            <a:r>
+              <a:rPr lang="ko-KR" altLang="en-US" dirty="0" smtClean="0"/>
+              <a:t>적용</a:t>
+            </a:r>
+            <a:endParaRPr lang="en-US" altLang="ko-KR" dirty="0" smtClean="0"/>
+          </a:p>
+          <a:p>
+            <a:pPr lvl="1"/>
+            <a:r>
+              <a:rPr lang="en-US" altLang="ko-KR" dirty="0" smtClean="0"/>
+              <a:t>position: sticky, scroll-margin, </a:t>
+            </a:r>
+            <a:r>
+              <a:rPr lang="en-US" altLang="ko-KR" dirty="0" err="1" smtClean="0"/>
+              <a:t>calc</a:t>
+            </a:r>
+            <a:r>
+              <a:rPr lang="en-US" altLang="ko-KR" dirty="0" smtClean="0"/>
+              <a:t>()</a:t>
+            </a:r>
+            <a:endParaRPr lang="en-US" altLang="ko-KR" dirty="0" smtClean="0"/>
+          </a:p>
+        </p:txBody>
+      </p:sp>
+      <p:graphicFrame>
+        <p:nvGraphicFramePr>
+          <p:cNvPr id="4" name="표 3"/>
+          <p:cNvGraphicFramePr>
+            <a:graphicFrameLocks noGrp="1"/>
+          </p:cNvGraphicFramePr>
+          <p:nvPr>
+            <p:extLst>
+              <p:ext uri="{D42A27DB-BD31-4B8C-83A1-F6EECF244321}">
+                <p14:modId xmlns:p14="http://schemas.microsoft.com/office/powerpoint/2010/main" val="2386915287"/>
+              </p:ext>
+            </p:extLst>
+          </p:nvPr>
+        </p:nvGraphicFramePr>
+        <p:xfrm>
+          <a:off x="2143108" y="2071678"/>
+          <a:ext cx="4929222" cy="2415621"/>
+        </p:xfrm>
+        <a:graphic>
+          <a:graphicData uri="http://schemas.openxmlformats.org/drawingml/2006/table">
+            <a:tbl>
+              <a:tblPr firstRow="1" bandRow="1">
+                <a:tableStyleId>{5C22544A-7EE6-4342-B048-85BDC9FD1C3A}</a:tableStyleId>
+              </a:tblPr>
+              <a:tblGrid>
+                <a:gridCol w="3364996">
+                  <a:extLst>
+                    <a:ext uri="{9D8B030D-6E8A-4147-A177-3AD203B41FA5}">
+                      <a16:colId xmlns:a16="http://schemas.microsoft.com/office/drawing/2014/main" val="20000"/>
+                    </a:ext>
+                  </a:extLst>
+                </a:gridCol>
+                <a:gridCol w="1564226">
+                  <a:extLst>
+                    <a:ext uri="{9D8B030D-6E8A-4147-A177-3AD203B41FA5}">
+                      <a16:colId xmlns:a16="http://schemas.microsoft.com/office/drawing/2014/main" val="20001"/>
+                    </a:ext>
+                  </a:extLst>
+                </a:gridCol>
+              </a:tblGrid>
+              <a:tr h="300069">
+                <a:tc gridSpan="2">
+                  <a:txBody>
+                    <a:bodyPr/>
+                    <a:lstStyle/>
+                    <a:p>
+                      <a:pPr algn="ctr" latinLnBrk="1"/>
+                      <a:r>
+                        <a:rPr lang="en-US" altLang="ko-KR" dirty="0" smtClean="0"/>
+                        <a:t>Header</a:t>
+                      </a:r>
+                      <a:endParaRPr lang="ko-KR" altLang="en-US" dirty="0"/>
+                    </a:p>
+                  </a:txBody>
+                  <a:tcPr/>
+                </a:tc>
+                <a:tc hMerge="1">
+                  <a:txBody>
+                    <a:bodyPr/>
+                    <a:lstStyle/>
+                    <a:p>
+                      <a:pPr latinLnBrk="1"/>
+                      <a:endParaRPr lang="ko-KR" altLang="en-US" dirty="0"/>
+                    </a:p>
+                  </a:txBody>
+                  <a:tcPr/>
+                </a:tc>
+                <a:extLst>
+                  <a:ext uri="{0D108BD9-81ED-4DB2-BD59-A6C34878D82A}">
+                    <a16:rowId xmlns:a16="http://schemas.microsoft.com/office/drawing/2014/main" val="10000"/>
+                  </a:ext>
+                </a:extLst>
+              </a:tr>
+              <a:tr h="300069">
+                <a:tc gridSpan="2">
+                  <a:txBody>
+                    <a:bodyPr/>
+                    <a:lstStyle/>
+                    <a:p>
+                      <a:pPr algn="ctr" latinLnBrk="1"/>
+                      <a:r>
+                        <a:rPr lang="en-US" altLang="ko-KR" dirty="0" smtClean="0"/>
+                        <a:t>Navigation</a:t>
+                      </a:r>
+                      <a:endParaRPr lang="ko-KR" altLang="en-US" dirty="0"/>
+                    </a:p>
+                  </a:txBody>
+                  <a:tcPr/>
+                </a:tc>
+                <a:tc hMerge="1">
+                  <a:txBody>
+                    <a:bodyPr/>
+                    <a:lstStyle/>
+                    <a:p>
+                      <a:pPr latinLnBrk="1"/>
+                      <a:endParaRPr lang="ko-KR" altLang="en-US" dirty="0"/>
+                    </a:p>
+                  </a:txBody>
+                  <a:tcPr/>
+                </a:tc>
+                <a:extLst>
+                  <a:ext uri="{0D108BD9-81ED-4DB2-BD59-A6C34878D82A}">
+                    <a16:rowId xmlns:a16="http://schemas.microsoft.com/office/drawing/2014/main" val="10001"/>
+                  </a:ext>
+                </a:extLst>
+              </a:tr>
+              <a:tr h="1251271">
+                <a:tc>
+                  <a:txBody>
+                    <a:bodyPr/>
+                    <a:lstStyle/>
+                    <a:p>
+                      <a:pPr algn="ctr" latinLnBrk="1"/>
+                      <a:r>
+                        <a:rPr lang="en-US" altLang="ko-KR" dirty="0" smtClean="0"/>
+                        <a:t>Article</a:t>
+                      </a:r>
+                      <a:endParaRPr lang="ko-KR" altLang="en-US" dirty="0"/>
+                    </a:p>
+                  </a:txBody>
+                  <a:tcPr/>
+                </a:tc>
+                <a:tc>
+                  <a:txBody>
+                    <a:bodyPr/>
+                    <a:lstStyle/>
+                    <a:p>
+                      <a:pPr algn="ctr" latinLnBrk="1"/>
+                      <a:r>
+                        <a:rPr lang="en-US" altLang="ko-KR" dirty="0" smtClean="0"/>
+                        <a:t>Aside</a:t>
+                      </a:r>
+                      <a:endParaRPr lang="ko-KR" altLang="en-US" dirty="0"/>
+                    </a:p>
+                  </a:txBody>
+                  <a:tcPr/>
+                </a:tc>
+                <a:extLst>
+                  <a:ext uri="{0D108BD9-81ED-4DB2-BD59-A6C34878D82A}">
+                    <a16:rowId xmlns:a16="http://schemas.microsoft.com/office/drawing/2014/main" val="10002"/>
+                  </a:ext>
+                </a:extLst>
+              </a:tr>
+              <a:tr h="432830">
+                <a:tc gridSpan="2">
+                  <a:txBody>
+                    <a:bodyPr/>
+                    <a:lstStyle/>
+                    <a:p>
+                      <a:pPr algn="ctr" latinLnBrk="1"/>
+                      <a:r>
+                        <a:rPr lang="en-US" altLang="ko-KR" dirty="0" smtClean="0"/>
+                        <a:t>Footer</a:t>
+                      </a:r>
+                      <a:endParaRPr lang="ko-KR" altLang="en-US" dirty="0"/>
+                    </a:p>
+                  </a:txBody>
+                  <a:tcPr/>
+                </a:tc>
+                <a:tc hMerge="1">
+                  <a:txBody>
+                    <a:bodyPr/>
+                    <a:lstStyle/>
+                    <a:p>
+                      <a:pPr latinLnBrk="1"/>
+                      <a:endParaRPr lang="ko-KR" altLang="en-US" dirty="0"/>
+                    </a:p>
+                  </a:txBody>
+                  <a:tcPr/>
+                </a:tc>
+                <a:extLst>
+                  <a:ext uri="{0D108BD9-81ED-4DB2-BD59-A6C34878D82A}">
+                    <a16:rowId xmlns:a16="http://schemas.microsoft.com/office/drawing/2014/main" val="10003"/>
+                  </a:ext>
+                </a:extLst>
+              </a:tr>
+            </a:tbl>
+          </a:graphicData>
+        </a:graphic>
+      </p:graphicFrame>
+    </p:spTree>
+    <p:extLst>
+      <p:ext uri="{BB962C8B-B14F-4D97-AF65-F5344CB8AC3E}">
+        <p14:creationId xmlns:p14="http://schemas.microsoft.com/office/powerpoint/2010/main" val="612029325"/>
+      </p:ext>
+    </p:extLst>
+  </p:cSld>
+  <p:clrMapOvr>
+    <a:masterClrMapping/>
+  </p:clrMapOvr>
+</p:sld>
+</file>
+
+<file path=ppt/slides/slide8.xml><?xml version="1.0" encoding="utf-8"?>
+<p:sld xmlns:a="http://schemas.openxmlformats.org/drawingml/2006/main" xmlns:r="http://schemas.openxmlformats.org/officeDocument/2006/relationships" xmlns:p="http://schemas.openxmlformats.org/presentationml/2006/main">
+  <p:cSld>
+    <p:spTree>
+      <p:nvGrpSpPr>
+        <p:cNvPr id="1" name=""/>
+        <p:cNvGrpSpPr/>
+        <p:nvPr/>
+      </p:nvGrpSpPr>
+      <p:grpSpPr>
+        <a:xfrm>
+          <a:off x="0" y="0"/>
+          <a:ext cx="0" cy="0"/>
+          <a:chOff x="0" y="0"/>
+          <a:chExt cx="0" cy="0"/>
+        </a:xfrm>
+      </p:grpSpPr>
+      <p:sp>
+        <p:nvSpPr>
+          <p:cNvPr id="2" name="제목 1"/>
+          <p:cNvSpPr>
+            <a:spLocks noGrp="1"/>
+          </p:cNvSpPr>
+          <p:nvPr>
+            <p:ph type="title"/>
+          </p:nvPr>
+        </p:nvSpPr>
+        <p:spPr/>
+        <p:txBody>
+          <a:bodyPr/>
+          <a:lstStyle/>
+          <a:p>
+            <a:r>
+              <a:rPr lang="en-US" altLang="ko-KR" dirty="0" smtClean="0"/>
+              <a:t>3.</a:t>
+            </a:r>
+            <a:r>
+              <a:rPr lang="en-US" altLang="ko-KR" dirty="0" smtClean="0"/>
+              <a:t> </a:t>
+            </a:r>
+            <a:r>
+              <a:rPr lang="ko-KR" altLang="en-US" dirty="0" smtClean="0"/>
+              <a:t>가시 속성</a:t>
+            </a:r>
+            <a:endParaRPr lang="ko-KR" altLang="en-US" dirty="0"/>
+          </a:p>
+        </p:txBody>
+      </p:sp>
+      <p:sp>
+        <p:nvSpPr>
+          <p:cNvPr id="3" name="내용 개체 틀 2"/>
+          <p:cNvSpPr>
+            <a:spLocks noGrp="1"/>
+          </p:cNvSpPr>
+          <p:nvPr>
+            <p:ph idx="1"/>
+          </p:nvPr>
+        </p:nvSpPr>
+        <p:spPr/>
+        <p:txBody>
+          <a:bodyPr>
+            <a:normAutofit/>
+          </a:bodyPr>
+          <a:lstStyle/>
+          <a:p>
+            <a:r>
+              <a:rPr lang="en-US" altLang="ko-KR" dirty="0" smtClean="0"/>
+              <a:t>display </a:t>
+            </a:r>
+            <a:r>
+              <a:rPr lang="ko-KR" altLang="en-US" dirty="0" smtClean="0"/>
+              <a:t>속성</a:t>
+            </a:r>
+            <a:endParaRPr lang="en-US" altLang="ko-KR" dirty="0" smtClean="0"/>
+          </a:p>
+          <a:p>
+            <a:pPr lvl="1"/>
+            <a:r>
+              <a:rPr lang="en-US" altLang="ko-KR" dirty="0" smtClean="0"/>
+              <a:t>none: </a:t>
+            </a:r>
+            <a:r>
+              <a:rPr lang="ko-KR" altLang="en-US" dirty="0" smtClean="0"/>
+              <a:t>태그를 화면에서 보이지 않게 만듭니다</a:t>
+            </a:r>
+            <a:r>
+              <a:rPr lang="en-US" altLang="ko-KR" dirty="0" smtClean="0"/>
+              <a:t>.</a:t>
+            </a:r>
+          </a:p>
+          <a:p>
+            <a:pPr lvl="1"/>
+            <a:r>
+              <a:rPr lang="en-US" altLang="ko-KR" dirty="0" smtClean="0"/>
+              <a:t>block</a:t>
+            </a:r>
+            <a:r>
+              <a:rPr lang="en-US" altLang="ko-KR" dirty="0" smtClean="0"/>
+              <a:t>: </a:t>
+            </a:r>
+            <a:r>
+              <a:rPr lang="ko-KR" altLang="en-US" dirty="0" smtClean="0"/>
+              <a:t>위에서 아래로 쌓는 방식으로 표시</a:t>
+            </a:r>
+            <a:r>
+              <a:rPr lang="en-US" altLang="ko-KR" dirty="0" smtClean="0"/>
+              <a:t>.</a:t>
+            </a:r>
+          </a:p>
+          <a:p>
+            <a:pPr lvl="2"/>
+            <a:r>
+              <a:rPr lang="ko-KR" altLang="en-US" dirty="0" smtClean="0"/>
+              <a:t>예제 </a:t>
+            </a:r>
+            <a:r>
+              <a:rPr lang="en-US" altLang="ko-KR" dirty="0" smtClean="0"/>
+              <a:t>4-</a:t>
+            </a:r>
+            <a:r>
+              <a:rPr lang="en-US" altLang="ko-KR" dirty="0" err="1" smtClean="0"/>
+              <a:t>9.html</a:t>
+            </a:r>
+            <a:endParaRPr lang="en-US" altLang="ko-KR" dirty="0" smtClean="0"/>
+          </a:p>
+          <a:p>
+            <a:pPr lvl="1"/>
+            <a:r>
+              <a:rPr lang="en-US" altLang="ko-KR" dirty="0" smtClean="0"/>
+              <a:t>inline</a:t>
+            </a:r>
+            <a:r>
+              <a:rPr lang="en-US" altLang="ko-KR" dirty="0" smtClean="0"/>
+              <a:t>: </a:t>
+            </a:r>
+            <a:r>
+              <a:rPr lang="ko-KR" altLang="en-US" dirty="0" smtClean="0"/>
+              <a:t>왼쪽에서 오른쪽</a:t>
+            </a:r>
+            <a:r>
+              <a:rPr lang="en-US" altLang="ko-KR" dirty="0" smtClean="0"/>
+              <a:t>(</a:t>
+            </a:r>
+            <a:r>
+              <a:rPr lang="ko-KR" altLang="en-US" dirty="0" smtClean="0"/>
+              <a:t>언어의 </a:t>
+            </a:r>
+            <a:r>
+              <a:rPr lang="ko-KR" altLang="en-US" dirty="0" err="1"/>
+              <a:t>읽</a:t>
+            </a:r>
+            <a:r>
+              <a:rPr lang="ko-KR" altLang="en-US" dirty="0" err="1" smtClean="0"/>
+              <a:t>기방향</a:t>
+            </a:r>
+            <a:r>
+              <a:rPr lang="en-US" altLang="ko-KR" dirty="0" smtClean="0"/>
+              <a:t>)</a:t>
+            </a:r>
+            <a:r>
+              <a:rPr lang="ko-KR" altLang="en-US" dirty="0" smtClean="0"/>
+              <a:t>표시</a:t>
+            </a:r>
+            <a:r>
+              <a:rPr lang="en-US" altLang="ko-KR" dirty="0" smtClean="0"/>
+              <a:t>.</a:t>
+            </a:r>
+            <a:endParaRPr lang="en-US" altLang="ko-KR" dirty="0" smtClean="0"/>
+          </a:p>
+          <a:p>
+            <a:pPr lvl="1"/>
+            <a:r>
+              <a:rPr lang="en-US" altLang="ko-KR" dirty="0" smtClean="0"/>
+              <a:t>inline-block: </a:t>
+            </a:r>
+            <a:r>
+              <a:rPr lang="en-US" altLang="ko-KR" dirty="0" smtClean="0"/>
+              <a:t>inline</a:t>
+            </a:r>
+            <a:r>
+              <a:rPr lang="ko-KR" altLang="en-US" dirty="0" err="1" smtClean="0"/>
+              <a:t>표시방식</a:t>
+            </a:r>
+            <a:r>
+              <a:rPr lang="ko-KR" altLang="en-US" dirty="0" smtClean="0"/>
+              <a:t> </a:t>
+            </a:r>
+            <a:r>
+              <a:rPr lang="en-US" altLang="ko-KR" dirty="0" smtClean="0"/>
+              <a:t>+ </a:t>
+            </a:r>
+            <a:r>
+              <a:rPr lang="ko-KR" altLang="en-US" dirty="0" smtClean="0"/>
+              <a:t>크기지정가능</a:t>
+            </a:r>
+            <a:endParaRPr lang="en-US" altLang="ko-KR" dirty="0" smtClean="0"/>
+          </a:p>
+          <a:p>
+            <a:pPr lvl="2"/>
+            <a:r>
+              <a:rPr lang="ko-KR" altLang="en-US" dirty="0" smtClean="0"/>
+              <a:t>예제 </a:t>
+            </a:r>
+            <a:r>
+              <a:rPr lang="en-US" altLang="ko-KR" dirty="0" smtClean="0"/>
+              <a:t>4-</a:t>
+            </a:r>
+            <a:r>
+              <a:rPr lang="en-US" altLang="ko-KR" dirty="0" err="1" smtClean="0"/>
+              <a:t>10.html</a:t>
+            </a:r>
+            <a:endParaRPr lang="en-US" altLang="ko-KR" dirty="0" smtClean="0"/>
+          </a:p>
+          <a:p>
+            <a:pPr lvl="1">
+              <a:buNone/>
+            </a:pPr>
+            <a:endParaRPr lang="en-US" altLang="ko-KR" dirty="0" smtClean="0"/>
+          </a:p>
+        </p:txBody>
+      </p:sp>
+    </p:spTree>
+    <p:extLst>
+      <p:ext uri="{BB962C8B-B14F-4D97-AF65-F5344CB8AC3E}">
+        <p14:creationId xmlns:p14="http://schemas.microsoft.com/office/powerpoint/2010/main" val="734774805"/>
+      </p:ext>
+    </p:extLst>
+  </p:cSld>
+  <p:clrMapOvr>
+    <a:masterClrMapping/>
+  </p:clrMapOvr>
+</p:sld>
+</file>
+
+<file path=ppt/slides/slide9.xml><?xml version="1.0" encoding="utf-8"?>
+<p:sld xmlns:a="http://schemas.openxmlformats.org/drawingml/2006/main" xmlns:r="http://schemas.openxmlformats.org/officeDocument/2006/relationships" xmlns:p="http://schemas.openxmlformats.org/presentationml/2006/main">
+  <p:cSld>
+    <p:spTree>
+      <p:nvGrpSpPr>
+        <p:cNvPr id="1" name=""/>
+        <p:cNvGrpSpPr/>
+        <p:nvPr/>
+      </p:nvGrpSpPr>
+      <p:grpSpPr>
+        <a:xfrm>
+          <a:off x="0" y="0"/>
+          <a:ext cx="0" cy="0"/>
+          <a:chOff x="0" y="0"/>
+          <a:chExt cx="0" cy="0"/>
+        </a:xfrm>
+      </p:grpSpPr>
+      <p:sp>
+        <p:nvSpPr>
+          <p:cNvPr id="2" name="제목 1"/>
+          <p:cNvSpPr>
+            <a:spLocks noGrp="1"/>
+          </p:cNvSpPr>
+          <p:nvPr>
+            <p:ph type="title"/>
+          </p:nvPr>
+        </p:nvSpPr>
+        <p:spPr/>
+        <p:txBody>
+          <a:bodyPr/>
+          <a:lstStyle/>
+          <a:p>
+            <a:r>
+              <a:rPr lang="en-US" altLang="ko-KR" dirty="0" smtClean="0"/>
+              <a:t>3.</a:t>
+            </a:r>
+            <a:r>
+              <a:rPr lang="en-US" altLang="ko-KR" dirty="0" smtClean="0"/>
+              <a:t> </a:t>
+            </a:r>
+            <a:r>
+              <a:rPr lang="ko-KR" altLang="en-US" dirty="0" smtClean="0"/>
+              <a:t>가시 속성</a:t>
+            </a:r>
+            <a:endParaRPr lang="ko-KR" altLang="en-US" dirty="0"/>
+          </a:p>
+        </p:txBody>
+      </p:sp>
+      <p:sp>
+        <p:nvSpPr>
+          <p:cNvPr id="3" name="내용 개체 틀 2"/>
+          <p:cNvSpPr>
+            <a:spLocks noGrp="1"/>
+          </p:cNvSpPr>
+          <p:nvPr>
+            <p:ph idx="1"/>
+          </p:nvPr>
+        </p:nvSpPr>
+        <p:spPr/>
+        <p:txBody>
+          <a:bodyPr>
+            <a:normAutofit/>
+          </a:bodyPr>
+          <a:lstStyle/>
+          <a:p>
+            <a:r>
+              <a:rPr lang="en-US" altLang="ko-KR" dirty="0" smtClean="0"/>
+              <a:t>visibility </a:t>
+            </a:r>
+            <a:r>
+              <a:rPr lang="ko-KR" altLang="en-US" dirty="0" smtClean="0"/>
+              <a:t>속성</a:t>
+            </a:r>
+            <a:endParaRPr lang="en-US" altLang="ko-KR" dirty="0" smtClean="0"/>
+          </a:p>
+          <a:p>
+            <a:pPr lvl="1"/>
+            <a:r>
+              <a:rPr lang="en-US" altLang="ko-KR" dirty="0" smtClean="0"/>
+              <a:t>visible: </a:t>
+            </a:r>
+            <a:r>
+              <a:rPr lang="ko-KR" altLang="en-US" dirty="0" smtClean="0"/>
+              <a:t>태그를 보이게 만듭니다</a:t>
+            </a:r>
+            <a:r>
+              <a:rPr lang="en-US" altLang="ko-KR" dirty="0" smtClean="0"/>
+              <a:t>.</a:t>
+            </a:r>
+          </a:p>
+          <a:p>
+            <a:pPr lvl="1"/>
+            <a:r>
+              <a:rPr lang="en-US" altLang="ko-KR" dirty="0" smtClean="0"/>
+              <a:t>hidden: </a:t>
+            </a:r>
+            <a:r>
+              <a:rPr lang="ko-KR" altLang="en-US" dirty="0" smtClean="0"/>
+              <a:t>태그를 보이지 않게 만듭니다</a:t>
+            </a:r>
+            <a:r>
+              <a:rPr lang="en-US" altLang="ko-KR" dirty="0" smtClean="0"/>
+              <a:t>.</a:t>
+            </a:r>
+          </a:p>
+          <a:p>
+            <a:pPr lvl="1"/>
+            <a:r>
+              <a:rPr lang="en-US" altLang="ko-KR" dirty="0" err="1" smtClean="0"/>
+              <a:t>display:none</a:t>
+            </a:r>
+            <a:r>
+              <a:rPr lang="en-US" altLang="ko-KR" dirty="0" smtClean="0"/>
+              <a:t>; </a:t>
+            </a:r>
+            <a:r>
+              <a:rPr lang="ko-KR" altLang="en-US" dirty="0" smtClean="0"/>
+              <a:t>과 </a:t>
+            </a:r>
+            <a:r>
+              <a:rPr lang="en-US" altLang="ko-KR" dirty="0" err="1" smtClean="0"/>
+              <a:t>visiblity:hidden</a:t>
+            </a:r>
+            <a:r>
+              <a:rPr lang="ko-KR" altLang="en-US" dirty="0" smtClean="0"/>
+              <a:t>의 공간을 차지하냐 않느냐의 차이이다</a:t>
+            </a:r>
+            <a:r>
+              <a:rPr lang="en-US" altLang="ko-KR" dirty="0" smtClean="0"/>
+              <a:t>.</a:t>
+            </a:r>
+          </a:p>
+          <a:p>
+            <a:pPr lvl="1"/>
+            <a:r>
+              <a:rPr lang="ko-KR" altLang="en-US" dirty="0" smtClean="0"/>
+              <a:t>예제 </a:t>
+            </a:r>
+            <a:r>
+              <a:rPr lang="en-US" altLang="ko-KR" dirty="0" smtClean="0"/>
+              <a:t>4-</a:t>
+            </a:r>
+            <a:r>
+              <a:rPr lang="en-US" altLang="ko-KR" dirty="0" err="1" smtClean="0"/>
+              <a:t>11.html</a:t>
+            </a:r>
+            <a:endParaRPr lang="en-US" altLang="ko-KR" dirty="0" smtClean="0"/>
+          </a:p>
+          <a:p>
+            <a:pPr lvl="1"/>
+            <a:endParaRPr lang="en-US" altLang="ko-KR" dirty="0" smtClean="0"/>
+          </a:p>
+          <a:p>
+            <a:pPr lvl="1"/>
+            <a:endParaRPr lang="en-US" altLang="ko-KR" dirty="0" smtClean="0"/>
+          </a:p>
+          <a:p>
+            <a:pPr lvl="1">
+              <a:buNone/>
+            </a:pPr>
+            <a:endParaRPr lang="en-US" altLang="ko-KR" dirty="0" smtClean="0"/>
+          </a:p>
+        </p:txBody>
+      </p:sp>
+    </p:spTree>
+    <p:extLst>
+      <p:ext uri="{BB962C8B-B14F-4D97-AF65-F5344CB8AC3E}">
+        <p14:creationId xmlns:p14="http://schemas.microsoft.com/office/powerpoint/2010/main" val="2259560005"/>
       </p:ext>
     </p:extLst>
   </p:cSld>

--- a/1-html-css/04. CSS3 레이아웃 및 스타일 속성(2).pptx
+++ b/1-html-css/04. CSS3 레이아웃 및 스타일 속성(2).pptx
@@ -3627,11 +3627,7 @@
           <a:p>
             <a:r>
               <a:rPr lang="en-US" altLang="ko-KR" dirty="0" smtClean="0"/>
-              <a:t>4.</a:t>
-            </a:r>
-            <a:r>
-              <a:rPr lang="en-US" altLang="ko-KR" dirty="0" smtClean="0"/>
-              <a:t> </a:t>
+              <a:t>4. </a:t>
             </a:r>
             <a:r>
               <a:rPr lang="ko-KR" altLang="en-US" dirty="0" smtClean="0"/>
@@ -3919,30 +3915,6 @@
           </a:p>
         </p:txBody>
       </p:sp>
-      <p:pic>
-        <p:nvPicPr>
-          <p:cNvPr id="4" name="그림 3"/>
-          <p:cNvPicPr>
-            <a:picLocks noChangeAspect="1"/>
-          </p:cNvPicPr>
-          <p:nvPr/>
-        </p:nvPicPr>
-        <p:blipFill>
-          <a:blip r:embed="rId3"/>
-          <a:stretch>
-            <a:fillRect/>
-          </a:stretch>
-        </p:blipFill>
-        <p:spPr>
-          <a:xfrm>
-            <a:off x="5292080" y="1222064"/>
-            <a:ext cx="3240360" cy="5439805"/>
-          </a:xfrm>
-          <a:prstGeom prst="rect">
-            <a:avLst/>
-          </a:prstGeom>
-        </p:spPr>
-      </p:pic>
       <p:graphicFrame>
         <p:nvGraphicFramePr>
           <p:cNvPr id="5" name="표 4"/>
@@ -4123,6 +4095,30 @@
           </a:graphicData>
         </a:graphic>
       </p:graphicFrame>
+      <p:pic>
+        <p:nvPicPr>
+          <p:cNvPr id="6" name="그림 5"/>
+          <p:cNvPicPr>
+            <a:picLocks noChangeAspect="1"/>
+          </p:cNvPicPr>
+          <p:nvPr/>
+        </p:nvPicPr>
+        <p:blipFill>
+          <a:blip r:embed="rId3"/>
+          <a:stretch>
+            <a:fillRect/>
+          </a:stretch>
+        </p:blipFill>
+        <p:spPr>
+          <a:xfrm>
+            <a:off x="5148064" y="1613003"/>
+            <a:ext cx="3726820" cy="4882873"/>
+          </a:xfrm>
+          <a:prstGeom prst="rect">
+            <a:avLst/>
+          </a:prstGeom>
+        </p:spPr>
+      </p:pic>
     </p:spTree>
     <p:extLst>
       <p:ext uri="{BB962C8B-B14F-4D97-AF65-F5344CB8AC3E}">
@@ -5565,11 +5561,7 @@
             </a:r>
             <a:r>
               <a:rPr lang="en-US" altLang="ko-KR" dirty="0" smtClean="0"/>
-              <a:t> Module </a:t>
-            </a:r>
-            <a:r>
-              <a:rPr lang="en-US" altLang="ko-KR" dirty="0" smtClean="0"/>
-              <a:t>7</a:t>
+              <a:t> Module 7</a:t>
             </a:r>
             <a:endParaRPr lang="ko-KR" altLang="en-US" dirty="0"/>
           </a:p>
@@ -5649,11 +5641,7 @@
           <a:p>
             <a:r>
               <a:rPr lang="en-US" altLang="ko-KR" dirty="0" smtClean="0"/>
-              <a:t>1.</a:t>
-            </a:r>
-            <a:r>
-              <a:rPr lang="en-US" altLang="ko-KR" dirty="0" smtClean="0"/>
-              <a:t> </a:t>
+              <a:t>1. </a:t>
             </a:r>
             <a:r>
               <a:rPr lang="ko-KR" altLang="en-US" dirty="0" smtClean="0"/>
@@ -5723,11 +5711,7 @@
             </a:r>
             <a:r>
               <a:rPr lang="ko-KR" altLang="en-US" dirty="0" smtClean="0"/>
-              <a:t>기준 위치를</a:t>
-            </a:r>
-            <a:r>
-              <a:rPr lang="ko-KR" altLang="en-US" dirty="0" smtClean="0"/>
-              <a:t> 선택한 요소로 변경</a:t>
+              <a:t>기준 위치를 선택한 요소로 변경</a:t>
             </a:r>
             <a:endParaRPr lang="en-US" altLang="ko-KR" dirty="0" smtClean="0"/>
           </a:p>
@@ -5755,15 +5739,7 @@
             </a:r>
             <a:r>
               <a:rPr lang="ko-KR" altLang="en-US" dirty="0" smtClean="0"/>
-              <a:t>기준 </a:t>
-            </a:r>
-            <a:r>
-              <a:rPr lang="ko-KR" altLang="en-US" dirty="0" smtClean="0"/>
-              <a:t>절대 </a:t>
-            </a:r>
-            <a:r>
-              <a:rPr lang="ko-KR" altLang="en-US" dirty="0" smtClean="0"/>
-              <a:t>위치 좌표를 설정</a:t>
+              <a:t>기준 절대 위치 좌표를 설정</a:t>
             </a:r>
             <a:endParaRPr lang="en-US" altLang="ko-KR" dirty="0" smtClean="0"/>
           </a:p>
@@ -6004,11 +5980,7 @@
           <a:p>
             <a:r>
               <a:rPr lang="en-US" altLang="ko-KR" dirty="0" smtClean="0"/>
-              <a:t>1.</a:t>
-            </a:r>
-            <a:r>
-              <a:rPr lang="en-US" altLang="ko-KR" dirty="0" smtClean="0"/>
-              <a:t> </a:t>
+              <a:t>1. </a:t>
             </a:r>
             <a:r>
               <a:rPr lang="ko-KR" altLang="en-US" dirty="0" smtClean="0"/>
@@ -6146,11 +6118,7 @@
           <a:p>
             <a:r>
               <a:rPr lang="en-US" altLang="ko-KR" dirty="0" smtClean="0"/>
-              <a:t>1.</a:t>
-            </a:r>
-            <a:r>
-              <a:rPr lang="en-US" altLang="ko-KR" dirty="0" smtClean="0"/>
-              <a:t> </a:t>
+              <a:t>1. </a:t>
             </a:r>
             <a:r>
               <a:rPr lang="ko-KR" altLang="en-US" dirty="0" smtClean="0"/>
@@ -6236,11 +6204,7 @@
             </a:r>
             <a:r>
               <a:rPr lang="en-US" altLang="ko-KR" dirty="0" err="1" smtClean="0"/>
-              <a:t>5</a:t>
-            </a:r>
-            <a:r>
-              <a:rPr lang="en-US" altLang="ko-KR" dirty="0" err="1" smtClean="0"/>
-              <a:t>.html</a:t>
+              <a:t>5.html</a:t>
             </a:r>
             <a:endParaRPr lang="en-US" altLang="ko-KR" dirty="0" smtClean="0"/>
           </a:p>
@@ -6293,15 +6257,7 @@
           <a:p>
             <a:r>
               <a:rPr lang="en-US" altLang="ko-KR" dirty="0" smtClean="0"/>
-              <a:t>2.</a:t>
-            </a:r>
-            <a:r>
-              <a:rPr lang="en-US" altLang="ko-KR" dirty="0" smtClean="0"/>
-              <a:t> </a:t>
-            </a:r>
-            <a:r>
-              <a:rPr lang="en-US" altLang="ko-KR" dirty="0" smtClean="0"/>
-              <a:t>float </a:t>
+              <a:t>2. float </a:t>
             </a:r>
             <a:r>
               <a:rPr lang="ko-KR" altLang="en-US" dirty="0" smtClean="0"/>
@@ -6381,7 +6337,6 @@
               <a:rPr lang="en-US" altLang="ko-KR" dirty="0" smtClean="0"/>
               <a:t>. </a:t>
             </a:r>
-            <a:endParaRPr lang="en-US" altLang="ko-KR" dirty="0" smtClean="0"/>
           </a:p>
           <a:p>
             <a:pPr lvl="1"/>
@@ -6403,11 +6358,7 @@
             <a:pPr lvl="1"/>
             <a:r>
               <a:rPr lang="ko-KR" altLang="en-US" dirty="0" smtClean="0"/>
-              <a:t>웹 </a:t>
-            </a:r>
-            <a:r>
-              <a:rPr lang="ko-KR" altLang="en-US" dirty="0" smtClean="0"/>
-              <a:t>페이지의 레이아웃을 만들 때 많이 사용</a:t>
+              <a:t>웹 페이지의 레이아웃을 만들 때 많이 사용</a:t>
             </a:r>
           </a:p>
           <a:p>
@@ -6475,15 +6426,7 @@
           <a:p>
             <a:r>
               <a:rPr lang="en-US" altLang="ko-KR" dirty="0" smtClean="0"/>
-              <a:t>2.</a:t>
-            </a:r>
-            <a:r>
-              <a:rPr lang="en-US" altLang="ko-KR" dirty="0" smtClean="0"/>
-              <a:t> </a:t>
-            </a:r>
-            <a:r>
-              <a:rPr lang="en-US" altLang="ko-KR" dirty="0" smtClean="0"/>
-              <a:t>float </a:t>
+              <a:t>2. float </a:t>
             </a:r>
             <a:r>
               <a:rPr lang="ko-KR" altLang="en-US" dirty="0" smtClean="0"/>
@@ -6579,11 +6522,7 @@
             </a:r>
             <a:r>
               <a:rPr lang="en-US" altLang="ko-KR" dirty="0" err="1" smtClean="0"/>
-              <a:t>8</a:t>
-            </a:r>
-            <a:r>
-              <a:rPr lang="en-US" altLang="ko-KR" dirty="0" err="1" smtClean="0"/>
-              <a:t>.html</a:t>
+              <a:t>8.html</a:t>
             </a:r>
             <a:endParaRPr lang="en-US" altLang="ko-KR" dirty="0" smtClean="0"/>
           </a:p>
@@ -6603,11 +6542,7 @@
             </a:r>
             <a:r>
               <a:rPr lang="ko-KR" altLang="en-US" dirty="0" smtClean="0"/>
-              <a:t>로 </a:t>
-            </a:r>
-            <a:r>
-              <a:rPr lang="ko-KR" altLang="en-US" dirty="0" smtClean="0"/>
-              <a:t>적용</a:t>
+              <a:t>로 적용</a:t>
             </a:r>
             <a:endParaRPr lang="en-US" altLang="ko-KR" dirty="0" smtClean="0"/>
           </a:p>
@@ -6625,7 +6560,6 @@
               <a:rPr lang="en-US" altLang="ko-KR" dirty="0" smtClean="0"/>
               <a:t>()</a:t>
             </a:r>
-            <a:endParaRPr lang="en-US" altLang="ko-KR" dirty="0" smtClean="0"/>
           </a:p>
         </p:txBody>
       </p:sp>
@@ -6856,11 +6790,7 @@
           <a:p>
             <a:r>
               <a:rPr lang="en-US" altLang="ko-KR" dirty="0" smtClean="0"/>
-              <a:t>3.</a:t>
-            </a:r>
-            <a:r>
-              <a:rPr lang="en-US" altLang="ko-KR" dirty="0" smtClean="0"/>
-              <a:t> </a:t>
+              <a:t>3. </a:t>
             </a:r>
             <a:r>
               <a:rPr lang="ko-KR" altLang="en-US" dirty="0" smtClean="0"/>
@@ -6916,11 +6846,7 @@
             <a:pPr lvl="1"/>
             <a:r>
               <a:rPr lang="en-US" altLang="ko-KR" dirty="0" smtClean="0"/>
-              <a:t>block</a:t>
-            </a:r>
-            <a:r>
-              <a:rPr lang="en-US" altLang="ko-KR" dirty="0" smtClean="0"/>
-              <a:t>: </a:t>
+              <a:t>block: </a:t>
             </a:r>
             <a:r>
               <a:rPr lang="ko-KR" altLang="en-US" dirty="0" smtClean="0"/>
@@ -6951,11 +6877,7 @@
             <a:pPr lvl="1"/>
             <a:r>
               <a:rPr lang="en-US" altLang="ko-KR" dirty="0" smtClean="0"/>
-              <a:t>inline</a:t>
-            </a:r>
-            <a:r>
-              <a:rPr lang="en-US" altLang="ko-KR" dirty="0" smtClean="0"/>
-              <a:t>: </a:t>
+              <a:t>inline: </a:t>
             </a:r>
             <a:r>
               <a:rPr lang="ko-KR" altLang="en-US" dirty="0" smtClean="0"/>
@@ -6989,17 +6911,12 @@
               <a:rPr lang="en-US" altLang="ko-KR" dirty="0" smtClean="0"/>
               <a:t>.</a:t>
             </a:r>
-            <a:endParaRPr lang="en-US" altLang="ko-KR" dirty="0" smtClean="0"/>
-          </a:p>
-          <a:p>
-            <a:pPr lvl="1"/>
-            <a:r>
-              <a:rPr lang="en-US" altLang="ko-KR" dirty="0" smtClean="0"/>
-              <a:t>inline-block: </a:t>
-            </a:r>
-            <a:r>
-              <a:rPr lang="en-US" altLang="ko-KR" dirty="0" smtClean="0"/>
-              <a:t>inline</a:t>
+          </a:p>
+          <a:p>
+            <a:pPr lvl="1"/>
+            <a:r>
+              <a:rPr lang="en-US" altLang="ko-KR" dirty="0" smtClean="0"/>
+              <a:t>inline-block: inline</a:t>
             </a:r>
             <a:r>
               <a:rPr lang="ko-KR" altLang="en-US" dirty="0" err="1" smtClean="0"/>
@@ -7090,11 +7007,7 @@
           <a:p>
             <a:r>
               <a:rPr lang="en-US" altLang="ko-KR" dirty="0" smtClean="0"/>
-              <a:t>3.</a:t>
-            </a:r>
-            <a:r>
-              <a:rPr lang="en-US" altLang="ko-KR" dirty="0" smtClean="0"/>
-              <a:t> </a:t>
+              <a:t>3. </a:t>
             </a:r>
             <a:r>
               <a:rPr lang="ko-KR" altLang="en-US" dirty="0" smtClean="0"/>
